--- a/docs/diagrams/BattleshipModelDiagram.pptx
+++ b/docs/diagrams/BattleshipModelDiagram.pptx
@@ -126,6 +126,546 @@
 </p:presentation>
 </file>
 
+<file path=ppt/revisionInfo.xml><?xml version="1.0" encoding="utf-8"?>
+<p1510:revInfo xmlns:a="http://schemas.openxmlformats.org/drawingml/2006/main" xmlns:r="http://schemas.openxmlformats.org/officeDocument/2006/relationships" xmlns:p1510="http://schemas.microsoft.com/office/powerpoint/2015/10/main">
+  <p1510:revLst>
+    <p1510:client id="{91585DDA-80D1-2A41-BA8C-034FE7E6CF66}" v="42" dt="2019-04-02T02:35:30.020"/>
+  </p1510:revLst>
+</p1510:revInfo>
+</file>
+
+<file path=ppt/changesInfos/changesInfo1.xml><?xml version="1.0" encoding="utf-8"?>
+<pc:chgInfo xmlns:a="http://schemas.openxmlformats.org/drawingml/2006/main" xmlns:r="http://schemas.openxmlformats.org/officeDocument/2006/relationships" xmlns:ac="http://schemas.microsoft.com/office/drawing/2013/main/command" xmlns:pc="http://schemas.microsoft.com/office/powerpoint/2013/main/command">
+  <pc:docChgLst>
+    <pc:chgData name="Ian Wu Ling En" userId="28715549-2f5c-46f8-b7f8-f39c35f3312d" providerId="ADAL" clId="{91585DDA-80D1-2A41-BA8C-034FE7E6CF66}"/>
+    <pc:docChg chg="undo custSel addSld delSld modSld">
+      <pc:chgData name="Ian Wu Ling En" userId="28715549-2f5c-46f8-b7f8-f39c35f3312d" providerId="ADAL" clId="{91585DDA-80D1-2A41-BA8C-034FE7E6CF66}" dt="2019-04-02T02:35:30.020" v="265" actId="167"/>
+      <pc:docMkLst>
+        <pc:docMk/>
+      </pc:docMkLst>
+      <pc:sldChg chg="addSp delSp modSp">
+        <pc:chgData name="Ian Wu Ling En" userId="28715549-2f5c-46f8-b7f8-f39c35f3312d" providerId="ADAL" clId="{91585DDA-80D1-2A41-BA8C-034FE7E6CF66}" dt="2019-04-02T02:35:30.020" v="265" actId="167"/>
+        <pc:sldMkLst>
+          <pc:docMk/>
+          <pc:sldMk cId="2396968029" sldId="263"/>
+        </pc:sldMkLst>
+        <pc:spChg chg="mod">
+          <ac:chgData name="Ian Wu Ling En" userId="28715549-2f5c-46f8-b7f8-f39c35f3312d" providerId="ADAL" clId="{91585DDA-80D1-2A41-BA8C-034FE7E6CF66}" dt="2019-04-02T02:17:04.410" v="4" actId="1076"/>
+          <ac:spMkLst>
+            <pc:docMk/>
+            <pc:sldMk cId="2396968029" sldId="263"/>
+            <ac:spMk id="2" creationId="{00000000-0000-0000-0000-000000000000}"/>
+          </ac:spMkLst>
+        </pc:spChg>
+        <pc:spChg chg="mod">
+          <ac:chgData name="Ian Wu Ling En" userId="28715549-2f5c-46f8-b7f8-f39c35f3312d" providerId="ADAL" clId="{91585DDA-80D1-2A41-BA8C-034FE7E6CF66}" dt="2019-04-02T02:17:04.410" v="4" actId="1076"/>
+          <ac:spMkLst>
+            <pc:docMk/>
+            <pc:sldMk cId="2396968029" sldId="263"/>
+            <ac:spMk id="9" creationId="{00000000-0000-0000-0000-000000000000}"/>
+          </ac:spMkLst>
+        </pc:spChg>
+        <pc:spChg chg="add mod">
+          <ac:chgData name="Ian Wu Ling En" userId="28715549-2f5c-46f8-b7f8-f39c35f3312d" providerId="ADAL" clId="{91585DDA-80D1-2A41-BA8C-034FE7E6CF66}" dt="2019-04-02T02:19:36.434" v="13" actId="207"/>
+          <ac:spMkLst>
+            <pc:docMk/>
+            <pc:sldMk cId="2396968029" sldId="263"/>
+            <ac:spMk id="30" creationId="{4C7C8B03-8C4C-F145-81B5-5313AFC07632}"/>
+          </ac:spMkLst>
+        </pc:spChg>
+        <pc:spChg chg="add mod">
+          <ac:chgData name="Ian Wu Ling En" userId="28715549-2f5c-46f8-b7f8-f39c35f3312d" providerId="ADAL" clId="{91585DDA-80D1-2A41-BA8C-034FE7E6CF66}" dt="2019-04-02T02:33:15.969" v="259" actId="1076"/>
+          <ac:spMkLst>
+            <pc:docMk/>
+            <pc:sldMk cId="2396968029" sldId="263"/>
+            <ac:spMk id="33" creationId="{F85C208F-4316-6C49-ADD5-B40E619A8D91}"/>
+          </ac:spMkLst>
+        </pc:spChg>
+        <pc:spChg chg="add del mod">
+          <ac:chgData name="Ian Wu Ling En" userId="28715549-2f5c-46f8-b7f8-f39c35f3312d" providerId="ADAL" clId="{91585DDA-80D1-2A41-BA8C-034FE7E6CF66}" dt="2019-04-02T02:30:47.388" v="239" actId="478"/>
+          <ac:spMkLst>
+            <pc:docMk/>
+            <pc:sldMk cId="2396968029" sldId="263"/>
+            <ac:spMk id="34" creationId="{6399772F-2F04-FF4C-9AB3-3F6F9D81B6E5}"/>
+          </ac:spMkLst>
+        </pc:spChg>
+        <pc:spChg chg="add mod">
+          <ac:chgData name="Ian Wu Ling En" userId="28715549-2f5c-46f8-b7f8-f39c35f3312d" providerId="ADAL" clId="{91585DDA-80D1-2A41-BA8C-034FE7E6CF66}" dt="2019-04-02T02:33:15.969" v="259" actId="1076"/>
+          <ac:spMkLst>
+            <pc:docMk/>
+            <pc:sldMk cId="2396968029" sldId="263"/>
+            <ac:spMk id="41" creationId="{0B021B9B-E3FC-0B4D-84BF-E428BB3907B7}"/>
+          </ac:spMkLst>
+        </pc:spChg>
+        <pc:spChg chg="mod">
+          <ac:chgData name="Ian Wu Ling En" userId="28715549-2f5c-46f8-b7f8-f39c35f3312d" providerId="ADAL" clId="{91585DDA-80D1-2A41-BA8C-034FE7E6CF66}" dt="2019-04-02T02:17:04.410" v="4" actId="1076"/>
+          <ac:spMkLst>
+            <pc:docMk/>
+            <pc:sldMk cId="2396968029" sldId="263"/>
+            <ac:spMk id="42" creationId="{00000000-0000-0000-0000-000000000000}"/>
+          </ac:spMkLst>
+        </pc:spChg>
+        <pc:spChg chg="add mod">
+          <ac:chgData name="Ian Wu Ling En" userId="28715549-2f5c-46f8-b7f8-f39c35f3312d" providerId="ADAL" clId="{91585DDA-80D1-2A41-BA8C-034FE7E6CF66}" dt="2019-04-02T02:33:15.969" v="259" actId="1076"/>
+          <ac:spMkLst>
+            <pc:docMk/>
+            <pc:sldMk cId="2396968029" sldId="263"/>
+            <ac:spMk id="43" creationId="{FB71D26F-0C04-2F4F-AEC5-480FC38AD105}"/>
+          </ac:spMkLst>
+        </pc:spChg>
+        <pc:spChg chg="mod">
+          <ac:chgData name="Ian Wu Ling En" userId="28715549-2f5c-46f8-b7f8-f39c35f3312d" providerId="ADAL" clId="{91585DDA-80D1-2A41-BA8C-034FE7E6CF66}" dt="2019-04-02T02:17:04.410" v="4" actId="1076"/>
+          <ac:spMkLst>
+            <pc:docMk/>
+            <pc:sldMk cId="2396968029" sldId="263"/>
+            <ac:spMk id="46" creationId="{00000000-0000-0000-0000-000000000000}"/>
+          </ac:spMkLst>
+        </pc:spChg>
+        <pc:spChg chg="mod">
+          <ac:chgData name="Ian Wu Ling En" userId="28715549-2f5c-46f8-b7f8-f39c35f3312d" providerId="ADAL" clId="{91585DDA-80D1-2A41-BA8C-034FE7E6CF66}" dt="2019-04-02T02:17:04.410" v="4" actId="1076"/>
+          <ac:spMkLst>
+            <pc:docMk/>
+            <pc:sldMk cId="2396968029" sldId="263"/>
+            <ac:spMk id="49" creationId="{00000000-0000-0000-0000-000000000000}"/>
+          </ac:spMkLst>
+        </pc:spChg>
+        <pc:spChg chg="mod">
+          <ac:chgData name="Ian Wu Ling En" userId="28715549-2f5c-46f8-b7f8-f39c35f3312d" providerId="ADAL" clId="{91585DDA-80D1-2A41-BA8C-034FE7E6CF66}" dt="2019-04-02T02:17:04.410" v="4" actId="1076"/>
+          <ac:spMkLst>
+            <pc:docMk/>
+            <pc:sldMk cId="2396968029" sldId="263"/>
+            <ac:spMk id="51" creationId="{00000000-0000-0000-0000-000000000000}"/>
+          </ac:spMkLst>
+        </pc:spChg>
+        <pc:spChg chg="mod">
+          <ac:chgData name="Ian Wu Ling En" userId="28715549-2f5c-46f8-b7f8-f39c35f3312d" providerId="ADAL" clId="{91585DDA-80D1-2A41-BA8C-034FE7E6CF66}" dt="2019-04-02T02:17:04.410" v="4" actId="1076"/>
+          <ac:spMkLst>
+            <pc:docMk/>
+            <pc:sldMk cId="2396968029" sldId="263"/>
+            <ac:spMk id="54" creationId="{00000000-0000-0000-0000-000000000000}"/>
+          </ac:spMkLst>
+        </pc:spChg>
+        <pc:spChg chg="mod">
+          <ac:chgData name="Ian Wu Ling En" userId="28715549-2f5c-46f8-b7f8-f39c35f3312d" providerId="ADAL" clId="{91585DDA-80D1-2A41-BA8C-034FE7E6CF66}" dt="2019-04-02T02:17:04.410" v="4" actId="1076"/>
+          <ac:spMkLst>
+            <pc:docMk/>
+            <pc:sldMk cId="2396968029" sldId="263"/>
+            <ac:spMk id="57" creationId="{6A42DA50-9012-4391-9EF3-285E4FA3FCD8}"/>
+          </ac:spMkLst>
+        </pc:spChg>
+        <pc:spChg chg="mod">
+          <ac:chgData name="Ian Wu Ling En" userId="28715549-2f5c-46f8-b7f8-f39c35f3312d" providerId="ADAL" clId="{91585DDA-80D1-2A41-BA8C-034FE7E6CF66}" dt="2019-04-02T02:17:04.410" v="4" actId="1076"/>
+          <ac:spMkLst>
+            <pc:docMk/>
+            <pc:sldMk cId="2396968029" sldId="263"/>
+            <ac:spMk id="59" creationId="{B263B2D7-6E76-465E-B40E-7E2A46254A84}"/>
+          </ac:spMkLst>
+        </pc:spChg>
+        <pc:spChg chg="mod">
+          <ac:chgData name="Ian Wu Ling En" userId="28715549-2f5c-46f8-b7f8-f39c35f3312d" providerId="ADAL" clId="{91585DDA-80D1-2A41-BA8C-034FE7E6CF66}" dt="2019-04-02T02:17:04.410" v="4" actId="1076"/>
+          <ac:spMkLst>
+            <pc:docMk/>
+            <pc:sldMk cId="2396968029" sldId="263"/>
+            <ac:spMk id="61" creationId="{00000000-0000-0000-0000-000000000000}"/>
+          </ac:spMkLst>
+        </pc:spChg>
+        <pc:spChg chg="add mod">
+          <ac:chgData name="Ian Wu Ling En" userId="28715549-2f5c-46f8-b7f8-f39c35f3312d" providerId="ADAL" clId="{91585DDA-80D1-2A41-BA8C-034FE7E6CF66}" dt="2019-04-02T02:33:15.969" v="259" actId="1076"/>
+          <ac:spMkLst>
+            <pc:docMk/>
+            <pc:sldMk cId="2396968029" sldId="263"/>
+            <ac:spMk id="62" creationId="{7BC04F78-D656-4341-876A-EDB210786FBE}"/>
+          </ac:spMkLst>
+        </pc:spChg>
+        <pc:spChg chg="add mod">
+          <ac:chgData name="Ian Wu Ling En" userId="28715549-2f5c-46f8-b7f8-f39c35f3312d" providerId="ADAL" clId="{91585DDA-80D1-2A41-BA8C-034FE7E6CF66}" dt="2019-04-02T02:33:15.969" v="259" actId="1076"/>
+          <ac:spMkLst>
+            <pc:docMk/>
+            <pc:sldMk cId="2396968029" sldId="263"/>
+            <ac:spMk id="63" creationId="{38AF5A16-D5F3-7849-B7BD-DDDF76765AFE}"/>
+          </ac:spMkLst>
+        </pc:spChg>
+        <pc:spChg chg="add mod">
+          <ac:chgData name="Ian Wu Ling En" userId="28715549-2f5c-46f8-b7f8-f39c35f3312d" providerId="ADAL" clId="{91585DDA-80D1-2A41-BA8C-034FE7E6CF66}" dt="2019-04-02T02:33:15.969" v="259" actId="1076"/>
+          <ac:spMkLst>
+            <pc:docMk/>
+            <pc:sldMk cId="2396968029" sldId="263"/>
+            <ac:spMk id="64" creationId="{A71976DF-0700-9446-8B89-26C2126E272E}"/>
+          </ac:spMkLst>
+        </pc:spChg>
+        <pc:spChg chg="add del mod">
+          <ac:chgData name="Ian Wu Ling En" userId="28715549-2f5c-46f8-b7f8-f39c35f3312d" providerId="ADAL" clId="{91585DDA-80D1-2A41-BA8C-034FE7E6CF66}" dt="2019-04-02T02:29:56.066" v="224" actId="478"/>
+          <ac:spMkLst>
+            <pc:docMk/>
+            <pc:sldMk cId="2396968029" sldId="263"/>
+            <ac:spMk id="65" creationId="{B0C26287-BA64-844C-A630-15FF396FDC2B}"/>
+          </ac:spMkLst>
+        </pc:spChg>
+        <pc:spChg chg="mod">
+          <ac:chgData name="Ian Wu Ling En" userId="28715549-2f5c-46f8-b7f8-f39c35f3312d" providerId="ADAL" clId="{91585DDA-80D1-2A41-BA8C-034FE7E6CF66}" dt="2019-04-02T02:17:04.410" v="4" actId="1076"/>
+          <ac:spMkLst>
+            <pc:docMk/>
+            <pc:sldMk cId="2396968029" sldId="263"/>
+            <ac:spMk id="66" creationId="{00000000-0000-0000-0000-000000000000}"/>
+          </ac:spMkLst>
+        </pc:spChg>
+        <pc:spChg chg="add mod">
+          <ac:chgData name="Ian Wu Ling En" userId="28715549-2f5c-46f8-b7f8-f39c35f3312d" providerId="ADAL" clId="{91585DDA-80D1-2A41-BA8C-034FE7E6CF66}" dt="2019-04-02T02:33:15.969" v="259" actId="1076"/>
+          <ac:spMkLst>
+            <pc:docMk/>
+            <pc:sldMk cId="2396968029" sldId="263"/>
+            <ac:spMk id="70" creationId="{6EB03C59-1EF3-844D-8836-22F0BD59EF16}"/>
+          </ac:spMkLst>
+        </pc:spChg>
+        <pc:spChg chg="add mod">
+          <ac:chgData name="Ian Wu Ling En" userId="28715549-2f5c-46f8-b7f8-f39c35f3312d" providerId="ADAL" clId="{91585DDA-80D1-2A41-BA8C-034FE7E6CF66}" dt="2019-04-02T02:33:15.969" v="259" actId="1076"/>
+          <ac:spMkLst>
+            <pc:docMk/>
+            <pc:sldMk cId="2396968029" sldId="263"/>
+            <ac:spMk id="71" creationId="{33FD9CE3-CCF8-014C-87CF-7464DAB22B67}"/>
+          </ac:spMkLst>
+        </pc:spChg>
+        <pc:spChg chg="add mod">
+          <ac:chgData name="Ian Wu Ling En" userId="28715549-2f5c-46f8-b7f8-f39c35f3312d" providerId="ADAL" clId="{91585DDA-80D1-2A41-BA8C-034FE7E6CF66}" dt="2019-04-02T02:33:15.969" v="259" actId="1076"/>
+          <ac:spMkLst>
+            <pc:docMk/>
+            <pc:sldMk cId="2396968029" sldId="263"/>
+            <ac:spMk id="72" creationId="{809FE0F2-07C8-424B-857C-5A53085C8B9B}"/>
+          </ac:spMkLst>
+        </pc:spChg>
+        <pc:spChg chg="add mod">
+          <ac:chgData name="Ian Wu Ling En" userId="28715549-2f5c-46f8-b7f8-f39c35f3312d" providerId="ADAL" clId="{91585DDA-80D1-2A41-BA8C-034FE7E6CF66}" dt="2019-04-02T02:33:15.969" v="259" actId="1076"/>
+          <ac:spMkLst>
+            <pc:docMk/>
+            <pc:sldMk cId="2396968029" sldId="263"/>
+            <ac:spMk id="74" creationId="{A151540E-3A1A-4C42-BE87-200DEC31FF82}"/>
+          </ac:spMkLst>
+        </pc:spChg>
+        <pc:spChg chg="add del">
+          <ac:chgData name="Ian Wu Ling En" userId="28715549-2f5c-46f8-b7f8-f39c35f3312d" providerId="ADAL" clId="{91585DDA-80D1-2A41-BA8C-034FE7E6CF66}" dt="2019-04-02T02:29:28.332" v="218"/>
+          <ac:spMkLst>
+            <pc:docMk/>
+            <pc:sldMk cId="2396968029" sldId="263"/>
+            <ac:spMk id="76" creationId="{7B50B92C-AC7E-B049-A6CA-8DD486C36E61}"/>
+          </ac:spMkLst>
+        </pc:spChg>
+        <pc:spChg chg="add mod">
+          <ac:chgData name="Ian Wu Ling En" userId="28715549-2f5c-46f8-b7f8-f39c35f3312d" providerId="ADAL" clId="{91585DDA-80D1-2A41-BA8C-034FE7E6CF66}" dt="2019-04-02T02:33:15.969" v="259" actId="1076"/>
+          <ac:spMkLst>
+            <pc:docMk/>
+            <pc:sldMk cId="2396968029" sldId="263"/>
+            <ac:spMk id="77" creationId="{91103631-64C9-FB46-A371-869EA93B11A2}"/>
+          </ac:spMkLst>
+        </pc:spChg>
+        <pc:spChg chg="add mod">
+          <ac:chgData name="Ian Wu Ling En" userId="28715549-2f5c-46f8-b7f8-f39c35f3312d" providerId="ADAL" clId="{91585DDA-80D1-2A41-BA8C-034FE7E6CF66}" dt="2019-04-02T02:33:15.969" v="259" actId="1076"/>
+          <ac:spMkLst>
+            <pc:docMk/>
+            <pc:sldMk cId="2396968029" sldId="263"/>
+            <ac:spMk id="78" creationId="{55E4F891-29B5-6941-9967-F8E6F17627D5}"/>
+          </ac:spMkLst>
+        </pc:spChg>
+        <pc:spChg chg="add mod">
+          <ac:chgData name="Ian Wu Ling En" userId="28715549-2f5c-46f8-b7f8-f39c35f3312d" providerId="ADAL" clId="{91585DDA-80D1-2A41-BA8C-034FE7E6CF66}" dt="2019-04-02T02:33:15.969" v="259" actId="1076"/>
+          <ac:spMkLst>
+            <pc:docMk/>
+            <pc:sldMk cId="2396968029" sldId="263"/>
+            <ac:spMk id="79" creationId="{BFC4F456-F972-7843-94DA-5EB901FD74E7}"/>
+          </ac:spMkLst>
+        </pc:spChg>
+        <pc:spChg chg="add mod">
+          <ac:chgData name="Ian Wu Ling En" userId="28715549-2f5c-46f8-b7f8-f39c35f3312d" providerId="ADAL" clId="{91585DDA-80D1-2A41-BA8C-034FE7E6CF66}" dt="2019-04-02T02:33:15.969" v="259" actId="1076"/>
+          <ac:spMkLst>
+            <pc:docMk/>
+            <pc:sldMk cId="2396968029" sldId="263"/>
+            <ac:spMk id="80" creationId="{15C8C3C6-9381-AB4A-BAEF-16B7203691EA}"/>
+          </ac:spMkLst>
+        </pc:spChg>
+        <pc:spChg chg="add mod">
+          <ac:chgData name="Ian Wu Ling En" userId="28715549-2f5c-46f8-b7f8-f39c35f3312d" providerId="ADAL" clId="{91585DDA-80D1-2A41-BA8C-034FE7E6CF66}" dt="2019-04-02T02:33:15.969" v="259" actId="1076"/>
+          <ac:spMkLst>
+            <pc:docMk/>
+            <pc:sldMk cId="2396968029" sldId="263"/>
+            <ac:spMk id="81" creationId="{9DEDA065-12E2-014D-8997-EC2AA7200805}"/>
+          </ac:spMkLst>
+        </pc:spChg>
+        <pc:spChg chg="add mod">
+          <ac:chgData name="Ian Wu Ling En" userId="28715549-2f5c-46f8-b7f8-f39c35f3312d" providerId="ADAL" clId="{91585DDA-80D1-2A41-BA8C-034FE7E6CF66}" dt="2019-04-02T02:33:09.273" v="258" actId="1076"/>
+          <ac:spMkLst>
+            <pc:docMk/>
+            <pc:sldMk cId="2396968029" sldId="263"/>
+            <ac:spMk id="82" creationId="{5A3BE89E-82E1-BD46-B1E6-DA13BB95C04C}"/>
+          </ac:spMkLst>
+        </pc:spChg>
+        <pc:spChg chg="add mod">
+          <ac:chgData name="Ian Wu Ling En" userId="28715549-2f5c-46f8-b7f8-f39c35f3312d" providerId="ADAL" clId="{91585DDA-80D1-2A41-BA8C-034FE7E6CF66}" dt="2019-04-02T02:35:30.020" v="265" actId="167"/>
+          <ac:spMkLst>
+            <pc:docMk/>
+            <pc:sldMk cId="2396968029" sldId="263"/>
+            <ac:spMk id="83" creationId="{E81DEB44-C688-4443-B6C9-A2EA11A1AD6B}"/>
+          </ac:spMkLst>
+        </pc:spChg>
+        <pc:spChg chg="mod">
+          <ac:chgData name="Ian Wu Ling En" userId="28715549-2f5c-46f8-b7f8-f39c35f3312d" providerId="ADAL" clId="{91585DDA-80D1-2A41-BA8C-034FE7E6CF66}" dt="2019-04-02T02:17:04.410" v="4" actId="1076"/>
+          <ac:spMkLst>
+            <pc:docMk/>
+            <pc:sldMk cId="2396968029" sldId="263"/>
+            <ac:spMk id="87" creationId="{DE635BB3-FA0C-496F-A177-624093905D90}"/>
+          </ac:spMkLst>
+        </pc:spChg>
+        <pc:spChg chg="mod">
+          <ac:chgData name="Ian Wu Ling En" userId="28715549-2f5c-46f8-b7f8-f39c35f3312d" providerId="ADAL" clId="{91585DDA-80D1-2A41-BA8C-034FE7E6CF66}" dt="2019-04-02T02:17:04.410" v="4" actId="1076"/>
+          <ac:spMkLst>
+            <pc:docMk/>
+            <pc:sldMk cId="2396968029" sldId="263"/>
+            <ac:spMk id="101" creationId="{CB784B9E-B940-4AA4-95DD-E0F269E5F82E}"/>
+          </ac:spMkLst>
+        </pc:spChg>
+        <pc:spChg chg="mod">
+          <ac:chgData name="Ian Wu Ling En" userId="28715549-2f5c-46f8-b7f8-f39c35f3312d" providerId="ADAL" clId="{91585DDA-80D1-2A41-BA8C-034FE7E6CF66}" dt="2019-04-02T02:17:04.410" v="4" actId="1076"/>
+          <ac:spMkLst>
+            <pc:docMk/>
+            <pc:sldMk cId="2396968029" sldId="263"/>
+            <ac:spMk id="112" creationId="{D2C89894-26C4-4018-BD31-4D82CA9E7ECD}"/>
+          </ac:spMkLst>
+        </pc:spChg>
+        <pc:spChg chg="del mod">
+          <ac:chgData name="Ian Wu Ling En" userId="28715549-2f5c-46f8-b7f8-f39c35f3312d" providerId="ADAL" clId="{91585DDA-80D1-2A41-BA8C-034FE7E6CF66}" dt="2019-04-02T02:16:53.390" v="1"/>
+          <ac:spMkLst>
+            <pc:docMk/>
+            <pc:sldMk cId="2396968029" sldId="263"/>
+            <ac:spMk id="118" creationId="{00000000-0000-0000-0000-000000000000}"/>
+          </ac:spMkLst>
+        </pc:spChg>
+        <pc:spChg chg="mod">
+          <ac:chgData name="Ian Wu Ling En" userId="28715549-2f5c-46f8-b7f8-f39c35f3312d" providerId="ADAL" clId="{91585DDA-80D1-2A41-BA8C-034FE7E6CF66}" dt="2019-04-02T02:17:04.410" v="4" actId="1076"/>
+          <ac:spMkLst>
+            <pc:docMk/>
+            <pc:sldMk cId="2396968029" sldId="263"/>
+            <ac:spMk id="119" creationId="{00000000-0000-0000-0000-000000000000}"/>
+          </ac:spMkLst>
+        </pc:spChg>
+        <pc:spChg chg="mod">
+          <ac:chgData name="Ian Wu Ling En" userId="28715549-2f5c-46f8-b7f8-f39c35f3312d" providerId="ADAL" clId="{91585DDA-80D1-2A41-BA8C-034FE7E6CF66}" dt="2019-04-02T02:17:48.292" v="9" actId="207"/>
+          <ac:spMkLst>
+            <pc:docMk/>
+            <pc:sldMk cId="2396968029" sldId="263"/>
+            <ac:spMk id="120" creationId="{00000000-0000-0000-0000-000000000000}"/>
+          </ac:spMkLst>
+        </pc:spChg>
+        <pc:spChg chg="mod">
+          <ac:chgData name="Ian Wu Ling En" userId="28715549-2f5c-46f8-b7f8-f39c35f3312d" providerId="ADAL" clId="{91585DDA-80D1-2A41-BA8C-034FE7E6CF66}" dt="2019-04-02T02:17:04.410" v="4" actId="1076"/>
+          <ac:spMkLst>
+            <pc:docMk/>
+            <pc:sldMk cId="2396968029" sldId="263"/>
+            <ac:spMk id="145" creationId="{F0901438-12F0-4955-96E5-45471EA50751}"/>
+          </ac:spMkLst>
+        </pc:spChg>
+        <pc:cxnChg chg="add mod">
+          <ac:chgData name="Ian Wu Ling En" userId="28715549-2f5c-46f8-b7f8-f39c35f3312d" providerId="ADAL" clId="{91585DDA-80D1-2A41-BA8C-034FE7E6CF66}" dt="2019-04-02T02:33:15.969" v="259" actId="1076"/>
+          <ac:cxnSpMkLst>
+            <pc:docMk/>
+            <pc:sldMk cId="2396968029" sldId="263"/>
+            <ac:cxnSpMk id="5" creationId="{AA5D2812-B402-DC46-BE8B-79420CCA4620}"/>
+          </ac:cxnSpMkLst>
+        </pc:cxnChg>
+        <pc:cxnChg chg="add mod">
+          <ac:chgData name="Ian Wu Ling En" userId="28715549-2f5c-46f8-b7f8-f39c35f3312d" providerId="ADAL" clId="{91585DDA-80D1-2A41-BA8C-034FE7E6CF66}" dt="2019-04-02T02:33:15.969" v="259" actId="1076"/>
+          <ac:cxnSpMkLst>
+            <pc:docMk/>
+            <pc:sldMk cId="2396968029" sldId="263"/>
+            <ac:cxnSpMk id="8" creationId="{6E940E7B-69A8-5746-87B3-FAA3606E55F0}"/>
+          </ac:cxnSpMkLst>
+        </pc:cxnChg>
+        <pc:cxnChg chg="add mod">
+          <ac:chgData name="Ian Wu Ling En" userId="28715549-2f5c-46f8-b7f8-f39c35f3312d" providerId="ADAL" clId="{91585DDA-80D1-2A41-BA8C-034FE7E6CF66}" dt="2019-04-02T02:33:15.969" v="259" actId="1076"/>
+          <ac:cxnSpMkLst>
+            <pc:docMk/>
+            <pc:sldMk cId="2396968029" sldId="263"/>
+            <ac:cxnSpMk id="15" creationId="{1B2780DC-B067-0F44-855F-E9A1DC9374C3}"/>
+          </ac:cxnSpMkLst>
+        </pc:cxnChg>
+        <pc:cxnChg chg="add del mod">
+          <ac:chgData name="Ian Wu Ling En" userId="28715549-2f5c-46f8-b7f8-f39c35f3312d" providerId="ADAL" clId="{91585DDA-80D1-2A41-BA8C-034FE7E6CF66}" dt="2019-04-02T02:26:26.069" v="80" actId="478"/>
+          <ac:cxnSpMkLst>
+            <pc:docMk/>
+            <pc:sldMk cId="2396968029" sldId="263"/>
+            <ac:cxnSpMk id="17" creationId="{B7F8A828-5A37-D44B-8D19-66135BCF1248}"/>
+          </ac:cxnSpMkLst>
+        </pc:cxnChg>
+        <pc:cxnChg chg="add mod">
+          <ac:chgData name="Ian Wu Ling En" userId="28715549-2f5c-46f8-b7f8-f39c35f3312d" providerId="ADAL" clId="{91585DDA-80D1-2A41-BA8C-034FE7E6CF66}" dt="2019-04-02T02:33:15.969" v="259" actId="1076"/>
+          <ac:cxnSpMkLst>
+            <pc:docMk/>
+            <pc:sldMk cId="2396968029" sldId="263"/>
+            <ac:cxnSpMk id="19" creationId="{104FD3AD-0C4B-244D-8080-006C7C1E4533}"/>
+          </ac:cxnSpMkLst>
+        </pc:cxnChg>
+        <pc:cxnChg chg="mod">
+          <ac:chgData name="Ian Wu Ling En" userId="28715549-2f5c-46f8-b7f8-f39c35f3312d" providerId="ADAL" clId="{91585DDA-80D1-2A41-BA8C-034FE7E6CF66}" dt="2019-04-02T02:17:04.410" v="4" actId="1076"/>
+          <ac:cxnSpMkLst>
+            <pc:docMk/>
+            <pc:sldMk cId="2396968029" sldId="263"/>
+            <ac:cxnSpMk id="21" creationId="{00000000-0000-0000-0000-000000000000}"/>
+          </ac:cxnSpMkLst>
+        </pc:cxnChg>
+        <pc:cxnChg chg="add mod">
+          <ac:chgData name="Ian Wu Ling En" userId="28715549-2f5c-46f8-b7f8-f39c35f3312d" providerId="ADAL" clId="{91585DDA-80D1-2A41-BA8C-034FE7E6CF66}" dt="2019-04-02T02:33:06.862" v="257" actId="14100"/>
+          <ac:cxnSpMkLst>
+            <pc:docMk/>
+            <pc:sldMk cId="2396968029" sldId="263"/>
+            <ac:cxnSpMk id="31" creationId="{27C5A8E2-F26D-9C46-B1BF-68029C0834BD}"/>
+          </ac:cxnSpMkLst>
+        </pc:cxnChg>
+        <pc:cxnChg chg="add del mod">
+          <ac:chgData name="Ian Wu Ling En" userId="28715549-2f5c-46f8-b7f8-f39c35f3312d" providerId="ADAL" clId="{91585DDA-80D1-2A41-BA8C-034FE7E6CF66}" dt="2019-04-02T02:22:35.020" v="36" actId="478"/>
+          <ac:cxnSpMkLst>
+            <pc:docMk/>
+            <pc:sldMk cId="2396968029" sldId="263"/>
+            <ac:cxnSpMk id="35" creationId="{72B6C0B9-32B0-2343-AC79-CEE3151008B5}"/>
+          </ac:cxnSpMkLst>
+        </pc:cxnChg>
+        <pc:cxnChg chg="add del mod">
+          <ac:chgData name="Ian Wu Ling En" userId="28715549-2f5c-46f8-b7f8-f39c35f3312d" providerId="ADAL" clId="{91585DDA-80D1-2A41-BA8C-034FE7E6CF66}" dt="2019-04-02T02:22:58.230" v="39" actId="478"/>
+          <ac:cxnSpMkLst>
+            <pc:docMk/>
+            <pc:sldMk cId="2396968029" sldId="263"/>
+            <ac:cxnSpMk id="36" creationId="{DC11B688-0325-8B43-89A7-C535BD817CB9}"/>
+          </ac:cxnSpMkLst>
+        </pc:cxnChg>
+        <pc:cxnChg chg="add del">
+          <ac:chgData name="Ian Wu Ling En" userId="28715549-2f5c-46f8-b7f8-f39c35f3312d" providerId="ADAL" clId="{91585DDA-80D1-2A41-BA8C-034FE7E6CF66}" dt="2019-04-02T02:23:17.375" v="42" actId="478"/>
+          <ac:cxnSpMkLst>
+            <pc:docMk/>
+            <pc:sldMk cId="2396968029" sldId="263"/>
+            <ac:cxnSpMk id="37" creationId="{66874EB6-621C-5845-8AEA-DB81EBCC6276}"/>
+          </ac:cxnSpMkLst>
+        </pc:cxnChg>
+        <pc:cxnChg chg="add del mod">
+          <ac:chgData name="Ian Wu Ling En" userId="28715549-2f5c-46f8-b7f8-f39c35f3312d" providerId="ADAL" clId="{91585DDA-80D1-2A41-BA8C-034FE7E6CF66}" dt="2019-04-02T02:25:46.366" v="74" actId="478"/>
+          <ac:cxnSpMkLst>
+            <pc:docMk/>
+            <pc:sldMk cId="2396968029" sldId="263"/>
+            <ac:cxnSpMk id="45" creationId="{0368035F-774A-F840-8F98-D11DE24DABA0}"/>
+          </ac:cxnSpMkLst>
+        </pc:cxnChg>
+        <pc:cxnChg chg="mod">
+          <ac:chgData name="Ian Wu Ling En" userId="28715549-2f5c-46f8-b7f8-f39c35f3312d" providerId="ADAL" clId="{91585DDA-80D1-2A41-BA8C-034FE7E6CF66}" dt="2019-04-02T02:17:04.410" v="4" actId="1076"/>
+          <ac:cxnSpMkLst>
+            <pc:docMk/>
+            <pc:sldMk cId="2396968029" sldId="263"/>
+            <ac:cxnSpMk id="58" creationId="{00000000-0000-0000-0000-000000000000}"/>
+          </ac:cxnSpMkLst>
+        </pc:cxnChg>
+        <pc:cxnChg chg="mod">
+          <ac:chgData name="Ian Wu Ling En" userId="28715549-2f5c-46f8-b7f8-f39c35f3312d" providerId="ADAL" clId="{91585DDA-80D1-2A41-BA8C-034FE7E6CF66}" dt="2019-04-02T02:17:04.410" v="4" actId="1076"/>
+          <ac:cxnSpMkLst>
+            <pc:docMk/>
+            <pc:sldMk cId="2396968029" sldId="263"/>
+            <ac:cxnSpMk id="60" creationId="{00000000-0000-0000-0000-000000000000}"/>
+          </ac:cxnSpMkLst>
+        </pc:cxnChg>
+        <pc:cxnChg chg="add mod">
+          <ac:chgData name="Ian Wu Ling En" userId="28715549-2f5c-46f8-b7f8-f39c35f3312d" providerId="ADAL" clId="{91585DDA-80D1-2A41-BA8C-034FE7E6CF66}" dt="2019-04-02T02:33:15.969" v="259" actId="1076"/>
+          <ac:cxnSpMkLst>
+            <pc:docMk/>
+            <pc:sldMk cId="2396968029" sldId="263"/>
+            <ac:cxnSpMk id="67" creationId="{4A0BE3D0-6A12-D54B-8270-296CD8DB101C}"/>
+          </ac:cxnSpMkLst>
+        </pc:cxnChg>
+        <pc:cxnChg chg="add mod">
+          <ac:chgData name="Ian Wu Ling En" userId="28715549-2f5c-46f8-b7f8-f39c35f3312d" providerId="ADAL" clId="{91585DDA-80D1-2A41-BA8C-034FE7E6CF66}" dt="2019-04-02T02:33:15.969" v="259" actId="1076"/>
+          <ac:cxnSpMkLst>
+            <pc:docMk/>
+            <pc:sldMk cId="2396968029" sldId="263"/>
+            <ac:cxnSpMk id="68" creationId="{5E67B76D-CD39-AA4C-BE2F-FC20020E5C4D}"/>
+          </ac:cxnSpMkLst>
+        </pc:cxnChg>
+        <pc:cxnChg chg="add mod">
+          <ac:chgData name="Ian Wu Ling En" userId="28715549-2f5c-46f8-b7f8-f39c35f3312d" providerId="ADAL" clId="{91585DDA-80D1-2A41-BA8C-034FE7E6CF66}" dt="2019-04-02T02:33:15.969" v="259" actId="1076"/>
+          <ac:cxnSpMkLst>
+            <pc:docMk/>
+            <pc:sldMk cId="2396968029" sldId="263"/>
+            <ac:cxnSpMk id="69" creationId="{C188E399-C009-1845-9BA6-19EAA0FBD731}"/>
+          </ac:cxnSpMkLst>
+        </pc:cxnChg>
+        <pc:cxnChg chg="mod">
+          <ac:chgData name="Ian Wu Ling En" userId="28715549-2f5c-46f8-b7f8-f39c35f3312d" providerId="ADAL" clId="{91585DDA-80D1-2A41-BA8C-034FE7E6CF66}" dt="2019-04-02T02:17:04.410" v="4" actId="1076"/>
+          <ac:cxnSpMkLst>
+            <pc:docMk/>
+            <pc:sldMk cId="2396968029" sldId="263"/>
+            <ac:cxnSpMk id="73" creationId="{1556D093-0D3A-4CCC-A1BA-5A95CE8838D7}"/>
+          </ac:cxnSpMkLst>
+        </pc:cxnChg>
+        <pc:cxnChg chg="mod">
+          <ac:chgData name="Ian Wu Ling En" userId="28715549-2f5c-46f8-b7f8-f39c35f3312d" providerId="ADAL" clId="{91585DDA-80D1-2A41-BA8C-034FE7E6CF66}" dt="2019-04-02T02:17:04.410" v="4" actId="1076"/>
+          <ac:cxnSpMkLst>
+            <pc:docMk/>
+            <pc:sldMk cId="2396968029" sldId="263"/>
+            <ac:cxnSpMk id="75" creationId="{00000000-0000-0000-0000-000000000000}"/>
+          </ac:cxnSpMkLst>
+        </pc:cxnChg>
+        <pc:cxnChg chg="mod">
+          <ac:chgData name="Ian Wu Ling En" userId="28715549-2f5c-46f8-b7f8-f39c35f3312d" providerId="ADAL" clId="{91585DDA-80D1-2A41-BA8C-034FE7E6CF66}" dt="2019-04-02T02:17:04.410" v="4" actId="1076"/>
+          <ac:cxnSpMkLst>
+            <pc:docMk/>
+            <pc:sldMk cId="2396968029" sldId="263"/>
+            <ac:cxnSpMk id="102" creationId="{34BE09EA-9912-4BF7-B928-A2F0502EE2A2}"/>
+          </ac:cxnSpMkLst>
+        </pc:cxnChg>
+        <pc:cxnChg chg="mod">
+          <ac:chgData name="Ian Wu Ling En" userId="28715549-2f5c-46f8-b7f8-f39c35f3312d" providerId="ADAL" clId="{91585DDA-80D1-2A41-BA8C-034FE7E6CF66}" dt="2019-04-02T02:17:04.410" v="4" actId="1076"/>
+          <ac:cxnSpMkLst>
+            <pc:docMk/>
+            <pc:sldMk cId="2396968029" sldId="263"/>
+            <ac:cxnSpMk id="111" creationId="{D7FE4686-760D-4F0B-8C92-7F87C8473C06}"/>
+          </ac:cxnSpMkLst>
+        </pc:cxnChg>
+        <pc:cxnChg chg="mod">
+          <ac:chgData name="Ian Wu Ling En" userId="28715549-2f5c-46f8-b7f8-f39c35f3312d" providerId="ADAL" clId="{91585DDA-80D1-2A41-BA8C-034FE7E6CF66}" dt="2019-04-02T02:17:04.410" v="4" actId="1076"/>
+          <ac:cxnSpMkLst>
+            <pc:docMk/>
+            <pc:sldMk cId="2396968029" sldId="263"/>
+            <ac:cxnSpMk id="121" creationId="{56E482F9-1954-4E35-8AAF-E778C8DC87F7}"/>
+          </ac:cxnSpMkLst>
+        </pc:cxnChg>
+        <pc:cxnChg chg="mod">
+          <ac:chgData name="Ian Wu Ling En" userId="28715549-2f5c-46f8-b7f8-f39c35f3312d" providerId="ADAL" clId="{91585DDA-80D1-2A41-BA8C-034FE7E6CF66}" dt="2019-04-02T02:17:04.410" v="4" actId="1076"/>
+          <ac:cxnSpMkLst>
+            <pc:docMk/>
+            <pc:sldMk cId="2396968029" sldId="263"/>
+            <ac:cxnSpMk id="140" creationId="{E58E97CD-5AF0-48B6-9EC5-F3E83CDC9D47}"/>
+          </ac:cxnSpMkLst>
+        </pc:cxnChg>
+        <pc:cxnChg chg="mod">
+          <ac:chgData name="Ian Wu Ling En" userId="28715549-2f5c-46f8-b7f8-f39c35f3312d" providerId="ADAL" clId="{91585DDA-80D1-2A41-BA8C-034FE7E6CF66}" dt="2019-04-02T02:17:04.410" v="4" actId="1076"/>
+          <ac:cxnSpMkLst>
+            <pc:docMk/>
+            <pc:sldMk cId="2396968029" sldId="263"/>
+            <ac:cxnSpMk id="142" creationId="{7CB3EBD0-6C66-407D-AF6A-02D5CF5CE4C8}"/>
+          </ac:cxnSpMkLst>
+        </pc:cxnChg>
+      </pc:sldChg>
+      <pc:sldChg chg="addSp delSp add del">
+        <pc:chgData name="Ian Wu Ling En" userId="28715549-2f5c-46f8-b7f8-f39c35f3312d" providerId="ADAL" clId="{91585DDA-80D1-2A41-BA8C-034FE7E6CF66}" dt="2019-04-02T02:35:21.650" v="262" actId="2696"/>
+        <pc:sldMkLst>
+          <pc:docMk/>
+          <pc:sldMk cId="971541775" sldId="264"/>
+        </pc:sldMkLst>
+        <pc:spChg chg="add del">
+          <ac:chgData name="Ian Wu Ling En" userId="28715549-2f5c-46f8-b7f8-f39c35f3312d" providerId="ADAL" clId="{91585DDA-80D1-2A41-BA8C-034FE7E6CF66}" dt="2019-04-02T02:35:19.511" v="260"/>
+          <ac:spMkLst>
+            <pc:docMk/>
+            <pc:sldMk cId="971541775" sldId="264"/>
+            <ac:spMk id="2" creationId="{AF035D5F-357D-5349-8AAA-02D9BD06357E}"/>
+          </ac:spMkLst>
+        </pc:spChg>
+      </pc:sldChg>
+    </pc:docChg>
+  </pc:docChgLst>
+</pc:chgInfo>
+</file>
+
 <file path=ppt/notesMasters/notesMaster1.xml><?xml version="1.0" encoding="utf-8"?>
 <p:notesMaster xmlns:a="http://schemas.openxmlformats.org/drawingml/2006/main" xmlns:r="http://schemas.openxmlformats.org/officeDocument/2006/relationships" xmlns:p="http://schemas.openxmlformats.org/presentationml/2006/main">
   <p:cSld>
@@ -208,7 +748,7 @@
           <a:p>
             <a:fld id="{F5CC4B3F-88C1-4FFA-B1B6-F41C21DC6924}" type="datetimeFigureOut">
               <a:rPr lang="en-US" smtClean="0"/>
-              <a:t>4/1/2019</a:t>
+              <a:t>4/2/19</a:t>
             </a:fld>
             <a:endParaRPr lang="en-US"/>
           </a:p>
@@ -654,7 +1194,7 @@
           <a:p>
             <a:fld id="{78C97017-6FC3-485B-9764-EAC9E56C1D49}" type="datetimeFigureOut">
               <a:rPr lang="en-US" smtClean="0"/>
-              <a:t>4/1/2019</a:t>
+              <a:t>4/2/19</a:t>
             </a:fld>
             <a:endParaRPr lang="en-US"/>
           </a:p>
@@ -822,7 +1362,7 @@
           <a:p>
             <a:fld id="{78C97017-6FC3-485B-9764-EAC9E56C1D49}" type="datetimeFigureOut">
               <a:rPr lang="en-US" smtClean="0"/>
-              <a:t>4/1/2019</a:t>
+              <a:t>4/2/19</a:t>
             </a:fld>
             <a:endParaRPr lang="en-US"/>
           </a:p>
@@ -1000,7 +1540,7 @@
           <a:p>
             <a:fld id="{78C97017-6FC3-485B-9764-EAC9E56C1D49}" type="datetimeFigureOut">
               <a:rPr lang="en-US" smtClean="0"/>
-              <a:t>4/1/2019</a:t>
+              <a:t>4/2/19</a:t>
             </a:fld>
             <a:endParaRPr lang="en-US"/>
           </a:p>
@@ -1168,7 +1708,7 @@
           <a:p>
             <a:fld id="{78C97017-6FC3-485B-9764-EAC9E56C1D49}" type="datetimeFigureOut">
               <a:rPr lang="en-US" smtClean="0"/>
-              <a:t>4/1/2019</a:t>
+              <a:t>4/2/19</a:t>
             </a:fld>
             <a:endParaRPr lang="en-US"/>
           </a:p>
@@ -1413,7 +1953,7 @@
           <a:p>
             <a:fld id="{78C97017-6FC3-485B-9764-EAC9E56C1D49}" type="datetimeFigureOut">
               <a:rPr lang="en-US" smtClean="0"/>
-              <a:t>4/1/2019</a:t>
+              <a:t>4/2/19</a:t>
             </a:fld>
             <a:endParaRPr lang="en-US"/>
           </a:p>
@@ -1698,7 +2238,7 @@
           <a:p>
             <a:fld id="{78C97017-6FC3-485B-9764-EAC9E56C1D49}" type="datetimeFigureOut">
               <a:rPr lang="en-US" smtClean="0"/>
-              <a:t>4/1/2019</a:t>
+              <a:t>4/2/19</a:t>
             </a:fld>
             <a:endParaRPr lang="en-US"/>
           </a:p>
@@ -2117,7 +2657,7 @@
           <a:p>
             <a:fld id="{78C97017-6FC3-485B-9764-EAC9E56C1D49}" type="datetimeFigureOut">
               <a:rPr lang="en-US" smtClean="0"/>
-              <a:t>4/1/2019</a:t>
+              <a:t>4/2/19</a:t>
             </a:fld>
             <a:endParaRPr lang="en-US"/>
           </a:p>
@@ -2234,7 +2774,7 @@
           <a:p>
             <a:fld id="{78C97017-6FC3-485B-9764-EAC9E56C1D49}" type="datetimeFigureOut">
               <a:rPr lang="en-US" smtClean="0"/>
-              <a:t>4/1/2019</a:t>
+              <a:t>4/2/19</a:t>
             </a:fld>
             <a:endParaRPr lang="en-US"/>
           </a:p>
@@ -2329,7 +2869,7 @@
           <a:p>
             <a:fld id="{78C97017-6FC3-485B-9764-EAC9E56C1D49}" type="datetimeFigureOut">
               <a:rPr lang="en-US" smtClean="0"/>
-              <a:t>4/1/2019</a:t>
+              <a:t>4/2/19</a:t>
             </a:fld>
             <a:endParaRPr lang="en-US"/>
           </a:p>
@@ -2604,7 +3144,7 @@
           <a:p>
             <a:fld id="{78C97017-6FC3-485B-9764-EAC9E56C1D49}" type="datetimeFigureOut">
               <a:rPr lang="en-US" smtClean="0"/>
-              <a:t>4/1/2019</a:t>
+              <a:t>4/2/19</a:t>
             </a:fld>
             <a:endParaRPr lang="en-US"/>
           </a:p>
@@ -2856,7 +3396,7 @@
           <a:p>
             <a:fld id="{78C97017-6FC3-485B-9764-EAC9E56C1D49}" type="datetimeFigureOut">
               <a:rPr lang="en-US" smtClean="0"/>
-              <a:t>4/1/2019</a:t>
+              <a:t>4/2/19</a:t>
             </a:fld>
             <a:endParaRPr lang="en-US"/>
           </a:p>
@@ -3067,7 +3607,7 @@
           <a:p>
             <a:fld id="{78C97017-6FC3-485B-9764-EAC9E56C1D49}" type="datetimeFigureOut">
               <a:rPr lang="en-US" smtClean="0"/>
-              <a:t>4/1/2019</a:t>
+              <a:t>4/2/19</a:t>
             </a:fld>
             <a:endParaRPr lang="en-US"/>
           </a:p>
@@ -3444,14 +3984,20 @@
       </p:grpSpPr>
       <p:sp>
         <p:nvSpPr>
-          <p:cNvPr id="118" name="Rectangle 65"/>
+          <p:cNvPr id="83" name="Rectangle 65">
+            <a:extLst>
+              <a:ext uri="{FF2B5EF4-FFF2-40B4-BE49-F238E27FC236}">
+                <a16:creationId xmlns:a16="http://schemas.microsoft.com/office/drawing/2014/main" id="{E81DEB44-C688-4443-B6C9-A2EA11A1AD6B}"/>
+              </a:ext>
+            </a:extLst>
+          </p:cNvPr>
           <p:cNvSpPr/>
           <p:nvPr/>
         </p:nvSpPr>
         <p:spPr>
           <a:xfrm>
-            <a:off x="737747" y="1453524"/>
-            <a:ext cx="6653653" cy="2813676"/>
+            <a:off x="737747" y="334659"/>
+            <a:ext cx="7496162" cy="5388979"/>
           </a:xfrm>
           <a:prstGeom prst="roundRect">
             <a:avLst>
@@ -3511,7 +4057,7 @@
         </p:nvSpPr>
         <p:spPr>
           <a:xfrm>
-            <a:off x="2825280" y="3463240"/>
+            <a:off x="2825280" y="5018705"/>
             <a:ext cx="878211" cy="346760"/>
           </a:xfrm>
           <a:prstGeom prst="rect">
@@ -3567,7 +4113,7 @@
         </p:nvSpPr>
         <p:spPr>
           <a:xfrm rot="16200000">
-            <a:off x="1661548" y="3097750"/>
+            <a:off x="1661548" y="4653215"/>
             <a:ext cx="1093635" cy="346760"/>
           </a:xfrm>
           <a:prstGeom prst="rect">
@@ -3626,7 +4172,7 @@
         </p:nvSpPr>
         <p:spPr>
           <a:xfrm rot="16200000">
-            <a:off x="956202" y="2861202"/>
+            <a:off x="956202" y="4416667"/>
             <a:ext cx="1093635" cy="346760"/>
           </a:xfrm>
           <a:prstGeom prst="rect">
@@ -3696,15 +4242,13 @@
         </p:nvSpPr>
         <p:spPr>
           <a:xfrm rot="16200000">
-            <a:off x="1626910" y="2952291"/>
+            <a:off x="1626910" y="4507756"/>
             <a:ext cx="270504" cy="175523"/>
           </a:xfrm>
           <a:prstGeom prst="triangle">
             <a:avLst/>
           </a:prstGeom>
-          <a:solidFill>
-            <a:srgbClr val="7030A0"/>
-          </a:solidFill>
+          <a:noFill/>
           <a:ln w="19050">
             <a:solidFill>
               <a:srgbClr val="7030A0"/>
@@ -3747,7 +4291,7 @@
         </p:nvCxnSpPr>
         <p:spPr>
           <a:xfrm>
-            <a:off x="2609828" y="3636620"/>
+            <a:off x="2609828" y="5192085"/>
             <a:ext cx="215452" cy="0"/>
           </a:xfrm>
           <a:prstGeom prst="straightConnector1">
@@ -3785,7 +4329,7 @@
         </p:nvCxnSpPr>
         <p:spPr>
           <a:xfrm>
-            <a:off x="910091" y="3040053"/>
+            <a:off x="910091" y="4595518"/>
             <a:ext cx="419548" cy="2860"/>
           </a:xfrm>
           <a:prstGeom prst="bentConnector3">
@@ -3830,7 +4374,7 @@
         </p:nvCxnSpPr>
         <p:spPr>
           <a:xfrm flipV="1">
-            <a:off x="1849924" y="3040052"/>
+            <a:off x="1849924" y="4595517"/>
             <a:ext cx="216105" cy="1"/>
           </a:xfrm>
           <a:prstGeom prst="line">
@@ -3869,7 +4413,7 @@
         </p:nvSpPr>
         <p:spPr>
           <a:xfrm>
-            <a:off x="2373780" y="3549930"/>
+            <a:off x="2373780" y="5105395"/>
             <a:ext cx="236048" cy="173380"/>
           </a:xfrm>
           <a:prstGeom prst="flowChartDecision">
@@ -3914,7 +4458,7 @@
         </p:nvSpPr>
         <p:spPr>
           <a:xfrm>
-            <a:off x="4715203" y="3136083"/>
+            <a:off x="4715203" y="4691548"/>
             <a:ext cx="189257" cy="178683"/>
           </a:xfrm>
           <a:prstGeom prst="rect">
@@ -3945,7 +4489,7 @@
         </p:nvSpPr>
         <p:spPr>
           <a:xfrm>
-            <a:off x="2630191" y="3667737"/>
+            <a:off x="2630191" y="5223202"/>
             <a:ext cx="189257" cy="178683"/>
           </a:xfrm>
           <a:prstGeom prst="rect">
@@ -3984,7 +4528,7 @@
         </p:nvSpPr>
         <p:spPr>
           <a:xfrm>
-            <a:off x="3654887" y="2681572"/>
+            <a:off x="3654887" y="4237037"/>
             <a:ext cx="1033363" cy="334053"/>
           </a:xfrm>
           <a:prstGeom prst="rect">
@@ -4038,7 +4582,7 @@
         </p:nvSpPr>
         <p:spPr>
           <a:xfrm>
-            <a:off x="5490643" y="2680769"/>
+            <a:off x="5490643" y="4236234"/>
             <a:ext cx="1156969" cy="334856"/>
           </a:xfrm>
           <a:prstGeom prst="rect">
@@ -4092,7 +4636,7 @@
         </p:nvSpPr>
         <p:spPr>
           <a:xfrm>
-            <a:off x="4701102" y="2761507"/>
+            <a:off x="4701102" y="4316972"/>
             <a:ext cx="236048" cy="173380"/>
           </a:xfrm>
           <a:prstGeom prst="flowChartDecision">
@@ -4139,7 +4683,7 @@
         </p:nvSpPr>
         <p:spPr>
           <a:xfrm>
-            <a:off x="5020163" y="2926283"/>
+            <a:off x="5020163" y="4481748"/>
             <a:ext cx="443160" cy="178683"/>
           </a:xfrm>
           <a:prstGeom prst="rect">
@@ -4182,7 +4726,7 @@
         </p:nvCxnSpPr>
         <p:spPr>
           <a:xfrm>
-            <a:off x="4937150" y="2848197"/>
+            <a:off x="4937150" y="4403662"/>
             <a:ext cx="553493" cy="0"/>
           </a:xfrm>
           <a:prstGeom prst="straightConnector1">
@@ -4229,7 +4773,7 @@
         </p:nvSpPr>
         <p:spPr>
           <a:xfrm>
-            <a:off x="4328780" y="3448190"/>
+            <a:off x="4328780" y="5003655"/>
             <a:ext cx="1293486" cy="346760"/>
           </a:xfrm>
           <a:prstGeom prst="rect">
@@ -4302,7 +4846,7 @@
         </p:nvSpPr>
         <p:spPr>
           <a:xfrm rot="5400000" flipH="1">
-            <a:off x="4063433" y="3510822"/>
+            <a:off x="4063433" y="5066287"/>
             <a:ext cx="271014" cy="221497"/>
           </a:xfrm>
           <a:prstGeom prst="triangle">
@@ -4360,7 +4904,7 @@
         </p:nvSpPr>
         <p:spPr>
           <a:xfrm>
-            <a:off x="2411820" y="1797335"/>
+            <a:off x="2411820" y="3352800"/>
             <a:ext cx="1033363" cy="334053"/>
           </a:xfrm>
           <a:prstGeom prst="rect">
@@ -4433,7 +4977,7 @@
         </p:nvCxnSpPr>
         <p:spPr>
           <a:xfrm flipV="1">
-            <a:off x="3703491" y="3636431"/>
+            <a:off x="3703491" y="5191896"/>
             <a:ext cx="384701" cy="189"/>
           </a:xfrm>
           <a:prstGeom prst="line">
@@ -4475,7 +5019,7 @@
         </p:nvSpPr>
         <p:spPr>
           <a:xfrm>
-            <a:off x="5490643" y="2018916"/>
+            <a:off x="5490643" y="3574381"/>
             <a:ext cx="1156969" cy="334856"/>
           </a:xfrm>
           <a:prstGeom prst="rect">
@@ -4550,7 +5094,7 @@
         </p:nvCxnSpPr>
         <p:spPr>
           <a:xfrm flipV="1">
-            <a:off x="6069128" y="2353772"/>
+            <a:off x="6069128" y="3909237"/>
             <a:ext cx="0" cy="326997"/>
           </a:xfrm>
           <a:prstGeom prst="straightConnector1">
@@ -4598,7 +5142,7 @@
         </p:nvSpPr>
         <p:spPr>
           <a:xfrm>
-            <a:off x="3969270" y="2511453"/>
+            <a:off x="3969270" y="4066918"/>
             <a:ext cx="202298" cy="178683"/>
           </a:xfrm>
           <a:prstGeom prst="rect">
@@ -4647,7 +5191,7 @@
         </p:nvCxnSpPr>
         <p:spPr>
           <a:xfrm rot="10800000" flipH="1">
-            <a:off x="4701101" y="2186345"/>
+            <a:off x="4701101" y="3741810"/>
             <a:ext cx="789541" cy="661853"/>
           </a:xfrm>
           <a:prstGeom prst="bentConnector3">
@@ -4694,7 +5238,7 @@
         </p:nvCxnSpPr>
         <p:spPr>
           <a:xfrm>
-            <a:off x="2411820" y="2848197"/>
+            <a:off x="2411820" y="4403662"/>
             <a:ext cx="1243067" cy="0"/>
           </a:xfrm>
           <a:prstGeom prst="straightConnector1">
@@ -4742,7 +5286,7 @@
         </p:nvCxnSpPr>
         <p:spPr>
           <a:xfrm rot="5400000" flipH="1" flipV="1">
-            <a:off x="1930118" y="2242611"/>
+            <a:off x="1930118" y="3798076"/>
             <a:ext cx="759951" cy="203454"/>
           </a:xfrm>
           <a:prstGeom prst="bentConnector2">
@@ -4791,7 +5335,7 @@
         </p:nvCxnSpPr>
         <p:spPr>
           <a:xfrm>
-            <a:off x="3702995" y="1964361"/>
+            <a:off x="3702995" y="3519826"/>
             <a:ext cx="468574" cy="717211"/>
           </a:xfrm>
           <a:prstGeom prst="bentConnector2">
@@ -4834,7 +5378,7 @@
         </p:nvSpPr>
         <p:spPr>
           <a:xfrm>
-            <a:off x="3466947" y="1877671"/>
+            <a:off x="3466947" y="3433136"/>
             <a:ext cx="236048" cy="173380"/>
           </a:xfrm>
           <a:prstGeom prst="flowChartDecision">
@@ -4868,6 +5412,1303 @@
           <a:p>
             <a:pPr algn="ctr"/>
             <a:endParaRPr lang="en-US" sz="1050"/>
+          </a:p>
+        </p:txBody>
+      </p:sp>
+      <p:sp>
+        <p:nvSpPr>
+          <p:cNvPr id="30" name="Flowchart: Decision 96">
+            <a:extLst>
+              <a:ext uri="{FF2B5EF4-FFF2-40B4-BE49-F238E27FC236}">
+                <a16:creationId xmlns:a16="http://schemas.microsoft.com/office/drawing/2014/main" id="{4C7C8B03-8C4C-F145-81B5-5313AFC07632}"/>
+              </a:ext>
+            </a:extLst>
+          </p:cNvPr>
+          <p:cNvSpPr/>
+          <p:nvPr/>
+        </p:nvSpPr>
+        <p:spPr>
+          <a:xfrm rot="16200000">
+            <a:off x="2820543" y="3133059"/>
+            <a:ext cx="236048" cy="173380"/>
+          </a:xfrm>
+          <a:prstGeom prst="flowChartDecision">
+            <a:avLst/>
+          </a:prstGeom>
+          <a:solidFill>
+            <a:srgbClr val="FF6699"/>
+          </a:solidFill>
+          <a:ln w="19050">
+            <a:solidFill>
+              <a:srgbClr val="FF6699"/>
+            </a:solidFill>
+          </a:ln>
+          <a:effectLst/>
+        </p:spPr>
+        <p:style>
+          <a:lnRef idx="1">
+            <a:schemeClr val="accent6"/>
+          </a:lnRef>
+          <a:fillRef idx="2">
+            <a:schemeClr val="accent6"/>
+          </a:fillRef>
+          <a:effectRef idx="1">
+            <a:schemeClr val="accent6"/>
+          </a:effectRef>
+          <a:fontRef idx="minor">
+            <a:schemeClr val="dk1"/>
+          </a:fontRef>
+        </p:style>
+        <p:txBody>
+          <a:bodyPr rtlCol="0" anchor="ctr"/>
+          <a:lstStyle/>
+          <a:p>
+            <a:pPr algn="ctr"/>
+            <a:endParaRPr lang="en-US" sz="1050"/>
+          </a:p>
+        </p:txBody>
+      </p:sp>
+      <p:cxnSp>
+        <p:nvCxnSpPr>
+          <p:cNvPr id="31" name="Straight Arrow Connector 30">
+            <a:extLst>
+              <a:ext uri="{FF2B5EF4-FFF2-40B4-BE49-F238E27FC236}">
+                <a16:creationId xmlns:a16="http://schemas.microsoft.com/office/drawing/2014/main" id="{27C5A8E2-F26D-9C46-B1BF-68029C0834BD}"/>
+              </a:ext>
+            </a:extLst>
+          </p:cNvPr>
+          <p:cNvCxnSpPr>
+            <a:cxnSpLocks/>
+          </p:cNvCxnSpPr>
+          <p:nvPr/>
+        </p:nvCxnSpPr>
+        <p:spPr>
+          <a:xfrm flipV="1">
+            <a:off x="2938567" y="2794702"/>
+            <a:ext cx="0" cy="307022"/>
+          </a:xfrm>
+          <a:prstGeom prst="straightConnector1">
+            <a:avLst/>
+          </a:prstGeom>
+          <a:solidFill>
+            <a:srgbClr val="FF6699"/>
+          </a:solidFill>
+          <a:ln w="19050">
+            <a:solidFill>
+              <a:srgbClr val="FF6699"/>
+            </a:solidFill>
+            <a:headEnd type="none" w="med" len="med"/>
+            <a:tailEnd type="arrow" w="med" len="med"/>
+          </a:ln>
+          <a:effectLst/>
+        </p:spPr>
+        <p:style>
+          <a:lnRef idx="1">
+            <a:schemeClr val="accent2"/>
+          </a:lnRef>
+          <a:fillRef idx="2">
+            <a:schemeClr val="accent2"/>
+          </a:fillRef>
+          <a:effectRef idx="1">
+            <a:schemeClr val="accent2"/>
+          </a:effectRef>
+          <a:fontRef idx="minor">
+            <a:schemeClr val="dk1"/>
+          </a:fontRef>
+        </p:style>
+      </p:cxnSp>
+      <p:sp>
+        <p:nvSpPr>
+          <p:cNvPr id="33" name="Rectangle 8">
+            <a:extLst>
+              <a:ext uri="{FF2B5EF4-FFF2-40B4-BE49-F238E27FC236}">
+                <a16:creationId xmlns:a16="http://schemas.microsoft.com/office/drawing/2014/main" id="{F85C208F-4316-6C49-ADD5-B40E619A8D91}"/>
+              </a:ext>
+            </a:extLst>
+          </p:cNvPr>
+          <p:cNvSpPr/>
+          <p:nvPr/>
+        </p:nvSpPr>
+        <p:spPr>
+          <a:xfrm>
+            <a:off x="2433584" y="2464913"/>
+            <a:ext cx="1033363" cy="334053"/>
+          </a:xfrm>
+          <a:prstGeom prst="rect">
+            <a:avLst/>
+          </a:prstGeom>
+          <a:solidFill>
+            <a:srgbClr val="FF6699"/>
+          </a:solidFill>
+          <a:ln/>
+        </p:spPr>
+        <p:style>
+          <a:lnRef idx="1">
+            <a:schemeClr val="accent2"/>
+          </a:lnRef>
+          <a:fillRef idx="2">
+            <a:schemeClr val="accent2"/>
+          </a:fillRef>
+          <a:effectRef idx="1">
+            <a:schemeClr val="accent2"/>
+          </a:effectRef>
+          <a:fontRef idx="minor">
+            <a:schemeClr val="dk1"/>
+          </a:fontRef>
+        </p:style>
+        <p:txBody>
+          <a:bodyPr rtlCol="0" anchor="ctr"/>
+          <a:lstStyle/>
+          <a:p>
+            <a:pPr algn="ctr"/>
+            <a:r>
+              <a:rPr lang="en-US" sz="1050" dirty="0">
+                <a:solidFill>
+                  <a:schemeClr val="tx1"/>
+                </a:solidFill>
+              </a:rPr>
+              <a:t>Fleet</a:t>
+            </a:r>
+            <a:endParaRPr lang="en-SG" sz="1050" dirty="0">
+              <a:solidFill>
+                <a:schemeClr val="tx1"/>
+              </a:solidFill>
+            </a:endParaRPr>
+          </a:p>
+        </p:txBody>
+      </p:sp>
+      <p:cxnSp>
+        <p:nvCxnSpPr>
+          <p:cNvPr id="5" name="Straight Connector 4">
+            <a:extLst>
+              <a:ext uri="{FF2B5EF4-FFF2-40B4-BE49-F238E27FC236}">
+                <a16:creationId xmlns:a16="http://schemas.microsoft.com/office/drawing/2014/main" id="{AA5D2812-B402-DC46-BE8B-79420CCA4620}"/>
+              </a:ext>
+            </a:extLst>
+          </p:cNvPr>
+          <p:cNvCxnSpPr>
+            <a:cxnSpLocks/>
+          </p:cNvCxnSpPr>
+          <p:nvPr/>
+        </p:nvCxnSpPr>
+        <p:spPr>
+          <a:xfrm>
+            <a:off x="2939051" y="1910988"/>
+            <a:ext cx="0" cy="367798"/>
+          </a:xfrm>
+          <a:prstGeom prst="line">
+            <a:avLst/>
+          </a:prstGeom>
+          <a:ln w="19050">
+            <a:solidFill>
+              <a:srgbClr val="FF6699"/>
+            </a:solidFill>
+            <a:headEnd type="arrow"/>
+          </a:ln>
+        </p:spPr>
+        <p:style>
+          <a:lnRef idx="1">
+            <a:schemeClr val="accent1"/>
+          </a:lnRef>
+          <a:fillRef idx="0">
+            <a:schemeClr val="accent1"/>
+          </a:fillRef>
+          <a:effectRef idx="0">
+            <a:schemeClr val="accent1"/>
+          </a:effectRef>
+          <a:fontRef idx="minor">
+            <a:schemeClr val="tx1"/>
+          </a:fontRef>
+        </p:style>
+      </p:cxnSp>
+      <p:sp>
+        <p:nvSpPr>
+          <p:cNvPr id="41" name="Rectangle 8">
+            <a:extLst>
+              <a:ext uri="{FF2B5EF4-FFF2-40B4-BE49-F238E27FC236}">
+                <a16:creationId xmlns:a16="http://schemas.microsoft.com/office/drawing/2014/main" id="{0B021B9B-E3FC-0B4D-84BF-E428BB3907B7}"/>
+              </a:ext>
+            </a:extLst>
+          </p:cNvPr>
+          <p:cNvSpPr/>
+          <p:nvPr/>
+        </p:nvSpPr>
+        <p:spPr>
+          <a:xfrm>
+            <a:off x="2433584" y="1574962"/>
+            <a:ext cx="1033363" cy="334053"/>
+          </a:xfrm>
+          <a:prstGeom prst="rect">
+            <a:avLst/>
+          </a:prstGeom>
+          <a:solidFill>
+            <a:srgbClr val="FF6699"/>
+          </a:solidFill>
+          <a:ln/>
+        </p:spPr>
+        <p:style>
+          <a:lnRef idx="1">
+            <a:schemeClr val="accent2"/>
+          </a:lnRef>
+          <a:fillRef idx="2">
+            <a:schemeClr val="accent2"/>
+          </a:fillRef>
+          <a:effectRef idx="1">
+            <a:schemeClr val="accent2"/>
+          </a:effectRef>
+          <a:fontRef idx="minor">
+            <a:schemeClr val="dk1"/>
+          </a:fontRef>
+        </p:style>
+        <p:txBody>
+          <a:bodyPr rtlCol="0" anchor="ctr"/>
+          <a:lstStyle/>
+          <a:p>
+            <a:pPr algn="ctr"/>
+            <a:r>
+              <a:rPr lang="en-US" sz="1050" dirty="0" err="1">
+                <a:solidFill>
+                  <a:schemeClr val="tx1"/>
+                </a:solidFill>
+              </a:rPr>
+              <a:t>FleetEntry</a:t>
+            </a:r>
+            <a:endParaRPr lang="en-SG" sz="1050" dirty="0">
+              <a:solidFill>
+                <a:schemeClr val="tx1"/>
+              </a:solidFill>
+            </a:endParaRPr>
+          </a:p>
+        </p:txBody>
+      </p:sp>
+      <p:sp>
+        <p:nvSpPr>
+          <p:cNvPr id="43" name="Flowchart: Decision 96">
+            <a:extLst>
+              <a:ext uri="{FF2B5EF4-FFF2-40B4-BE49-F238E27FC236}">
+                <a16:creationId xmlns:a16="http://schemas.microsoft.com/office/drawing/2014/main" id="{FB71D26F-0C04-2F4F-AEC5-480FC38AD105}"/>
+              </a:ext>
+            </a:extLst>
+          </p:cNvPr>
+          <p:cNvSpPr/>
+          <p:nvPr/>
+        </p:nvSpPr>
+        <p:spPr>
+          <a:xfrm>
+            <a:off x="3484660" y="1649932"/>
+            <a:ext cx="236048" cy="173380"/>
+          </a:xfrm>
+          <a:prstGeom prst="flowChartDecision">
+            <a:avLst/>
+          </a:prstGeom>
+          <a:solidFill>
+            <a:srgbClr val="FF6699"/>
+          </a:solidFill>
+          <a:ln w="19050">
+            <a:solidFill>
+              <a:srgbClr val="FF6699"/>
+            </a:solidFill>
+          </a:ln>
+          <a:effectLst/>
+        </p:spPr>
+        <p:style>
+          <a:lnRef idx="1">
+            <a:schemeClr val="accent6"/>
+          </a:lnRef>
+          <a:fillRef idx="2">
+            <a:schemeClr val="accent6"/>
+          </a:fillRef>
+          <a:effectRef idx="1">
+            <a:schemeClr val="accent6"/>
+          </a:effectRef>
+          <a:fontRef idx="minor">
+            <a:schemeClr val="dk1"/>
+          </a:fontRef>
+        </p:style>
+        <p:txBody>
+          <a:bodyPr rtlCol="0" anchor="ctr"/>
+          <a:lstStyle/>
+          <a:p>
+            <a:pPr algn="ctr"/>
+            <a:endParaRPr lang="en-US" sz="1050"/>
+          </a:p>
+        </p:txBody>
+      </p:sp>
+      <p:cxnSp>
+        <p:nvCxnSpPr>
+          <p:cNvPr id="8" name="Elbow Connector 7">
+            <a:extLst>
+              <a:ext uri="{FF2B5EF4-FFF2-40B4-BE49-F238E27FC236}">
+                <a16:creationId xmlns:a16="http://schemas.microsoft.com/office/drawing/2014/main" id="{6E940E7B-69A8-5746-87B3-FAA3606E55F0}"/>
+              </a:ext>
+            </a:extLst>
+          </p:cNvPr>
+          <p:cNvCxnSpPr>
+            <a:cxnSpLocks/>
+            <a:stCxn id="43" idx="3"/>
+          </p:cNvCxnSpPr>
+          <p:nvPr/>
+        </p:nvCxnSpPr>
+        <p:spPr>
+          <a:xfrm>
+            <a:off x="3720708" y="1736622"/>
+            <a:ext cx="869005" cy="429914"/>
+          </a:xfrm>
+          <a:prstGeom prst="bentConnector3">
+            <a:avLst/>
+          </a:prstGeom>
+          <a:ln w="15875">
+            <a:solidFill>
+              <a:srgbClr val="FF6699"/>
+            </a:solidFill>
+          </a:ln>
+        </p:spPr>
+        <p:style>
+          <a:lnRef idx="1">
+            <a:schemeClr val="accent1"/>
+          </a:lnRef>
+          <a:fillRef idx="0">
+            <a:schemeClr val="accent1"/>
+          </a:fillRef>
+          <a:effectRef idx="0">
+            <a:schemeClr val="accent1"/>
+          </a:effectRef>
+          <a:fontRef idx="minor">
+            <a:schemeClr val="tx1"/>
+          </a:fontRef>
+        </p:style>
+      </p:cxnSp>
+      <p:cxnSp>
+        <p:nvCxnSpPr>
+          <p:cNvPr id="15" name="Straight Connector 14">
+            <a:extLst>
+              <a:ext uri="{FF2B5EF4-FFF2-40B4-BE49-F238E27FC236}">
+                <a16:creationId xmlns:a16="http://schemas.microsoft.com/office/drawing/2014/main" id="{1B2780DC-B067-0F44-855F-E9A1DC9374C3}"/>
+              </a:ext>
+            </a:extLst>
+          </p:cNvPr>
+          <p:cNvCxnSpPr/>
+          <p:nvPr/>
+        </p:nvCxnSpPr>
+        <p:spPr>
+          <a:xfrm>
+            <a:off x="4155210" y="1736622"/>
+            <a:ext cx="434503" cy="0"/>
+          </a:xfrm>
+          <a:prstGeom prst="line">
+            <a:avLst/>
+          </a:prstGeom>
+          <a:ln w="15875">
+            <a:solidFill>
+              <a:srgbClr val="FF6699"/>
+            </a:solidFill>
+          </a:ln>
+        </p:spPr>
+        <p:style>
+          <a:lnRef idx="1">
+            <a:schemeClr val="accent1"/>
+          </a:lnRef>
+          <a:fillRef idx="0">
+            <a:schemeClr val="accent1"/>
+          </a:fillRef>
+          <a:effectRef idx="0">
+            <a:schemeClr val="accent1"/>
+          </a:effectRef>
+          <a:fontRef idx="minor">
+            <a:schemeClr val="tx1"/>
+          </a:fontRef>
+        </p:style>
+      </p:cxnSp>
+      <p:cxnSp>
+        <p:nvCxnSpPr>
+          <p:cNvPr id="19" name="Elbow Connector 18">
+            <a:extLst>
+              <a:ext uri="{FF2B5EF4-FFF2-40B4-BE49-F238E27FC236}">
+                <a16:creationId xmlns:a16="http://schemas.microsoft.com/office/drawing/2014/main" id="{104FD3AD-0C4B-244D-8080-006C7C1E4533}"/>
+              </a:ext>
+            </a:extLst>
+          </p:cNvPr>
+          <p:cNvCxnSpPr/>
+          <p:nvPr/>
+        </p:nvCxnSpPr>
+        <p:spPr>
+          <a:xfrm flipV="1">
+            <a:off x="3720708" y="1301388"/>
+            <a:ext cx="869005" cy="435234"/>
+          </a:xfrm>
+          <a:prstGeom prst="bentConnector3">
+            <a:avLst/>
+          </a:prstGeom>
+          <a:ln w="15875">
+            <a:solidFill>
+              <a:srgbClr val="FF6699"/>
+            </a:solidFill>
+          </a:ln>
+        </p:spPr>
+        <p:style>
+          <a:lnRef idx="1">
+            <a:schemeClr val="accent1"/>
+          </a:lnRef>
+          <a:fillRef idx="0">
+            <a:schemeClr val="accent1"/>
+          </a:fillRef>
+          <a:effectRef idx="0">
+            <a:schemeClr val="accent1"/>
+          </a:effectRef>
+          <a:fontRef idx="minor">
+            <a:schemeClr val="tx1"/>
+          </a:fontRef>
+        </p:style>
+      </p:cxnSp>
+      <p:sp>
+        <p:nvSpPr>
+          <p:cNvPr id="62" name="Rectangle 8">
+            <a:extLst>
+              <a:ext uri="{FF2B5EF4-FFF2-40B4-BE49-F238E27FC236}">
+                <a16:creationId xmlns:a16="http://schemas.microsoft.com/office/drawing/2014/main" id="{7BC04F78-D656-4341-876A-EDB210786FBE}"/>
+              </a:ext>
+            </a:extLst>
+          </p:cNvPr>
+          <p:cNvSpPr/>
+          <p:nvPr/>
+        </p:nvSpPr>
+        <p:spPr>
+          <a:xfrm>
+            <a:off x="4589713" y="1134361"/>
+            <a:ext cx="1033363" cy="334053"/>
+          </a:xfrm>
+          <a:prstGeom prst="rect">
+            <a:avLst/>
+          </a:prstGeom>
+          <a:solidFill>
+            <a:srgbClr val="FF6699"/>
+          </a:solidFill>
+          <a:ln/>
+        </p:spPr>
+        <p:style>
+          <a:lnRef idx="1">
+            <a:schemeClr val="accent2"/>
+          </a:lnRef>
+          <a:fillRef idx="2">
+            <a:schemeClr val="accent2"/>
+          </a:fillRef>
+          <a:effectRef idx="1">
+            <a:schemeClr val="accent2"/>
+          </a:effectRef>
+          <a:fontRef idx="minor">
+            <a:schemeClr val="dk1"/>
+          </a:fontRef>
+        </p:style>
+        <p:txBody>
+          <a:bodyPr rtlCol="0" anchor="ctr"/>
+          <a:lstStyle/>
+          <a:p>
+            <a:pPr algn="ctr"/>
+            <a:r>
+              <a:rPr lang="en-US" sz="1050" dirty="0">
+                <a:solidFill>
+                  <a:schemeClr val="tx1"/>
+                </a:solidFill>
+              </a:rPr>
+              <a:t>Battleship</a:t>
+            </a:r>
+            <a:endParaRPr lang="en-SG" sz="1050" dirty="0">
+              <a:solidFill>
+                <a:schemeClr val="tx1"/>
+              </a:solidFill>
+            </a:endParaRPr>
+          </a:p>
+        </p:txBody>
+      </p:sp>
+      <p:sp>
+        <p:nvSpPr>
+          <p:cNvPr id="63" name="Rectangle 8">
+            <a:extLst>
+              <a:ext uri="{FF2B5EF4-FFF2-40B4-BE49-F238E27FC236}">
+                <a16:creationId xmlns:a16="http://schemas.microsoft.com/office/drawing/2014/main" id="{38AF5A16-D5F3-7849-B7BD-DDDF76765AFE}"/>
+              </a:ext>
+            </a:extLst>
+          </p:cNvPr>
+          <p:cNvSpPr/>
+          <p:nvPr/>
+        </p:nvSpPr>
+        <p:spPr>
+          <a:xfrm>
+            <a:off x="4596902" y="1574962"/>
+            <a:ext cx="1033363" cy="334053"/>
+          </a:xfrm>
+          <a:prstGeom prst="rect">
+            <a:avLst/>
+          </a:prstGeom>
+          <a:solidFill>
+            <a:srgbClr val="FF6699"/>
+          </a:solidFill>
+          <a:ln/>
+        </p:spPr>
+        <p:style>
+          <a:lnRef idx="1">
+            <a:schemeClr val="accent2"/>
+          </a:lnRef>
+          <a:fillRef idx="2">
+            <a:schemeClr val="accent2"/>
+          </a:fillRef>
+          <a:effectRef idx="1">
+            <a:schemeClr val="accent2"/>
+          </a:effectRef>
+          <a:fontRef idx="minor">
+            <a:schemeClr val="dk1"/>
+          </a:fontRef>
+        </p:style>
+        <p:txBody>
+          <a:bodyPr rtlCol="0" anchor="ctr"/>
+          <a:lstStyle/>
+          <a:p>
+            <a:pPr algn="ctr"/>
+            <a:r>
+              <a:rPr lang="en-US" sz="1050" dirty="0">
+                <a:solidFill>
+                  <a:schemeClr val="tx1"/>
+                </a:solidFill>
+              </a:rPr>
+              <a:t>Orientation</a:t>
+            </a:r>
+            <a:endParaRPr lang="en-SG" sz="1050" dirty="0">
+              <a:solidFill>
+                <a:schemeClr val="tx1"/>
+              </a:solidFill>
+            </a:endParaRPr>
+          </a:p>
+        </p:txBody>
+      </p:sp>
+      <p:sp>
+        <p:nvSpPr>
+          <p:cNvPr id="64" name="Rectangle 8">
+            <a:extLst>
+              <a:ext uri="{FF2B5EF4-FFF2-40B4-BE49-F238E27FC236}">
+                <a16:creationId xmlns:a16="http://schemas.microsoft.com/office/drawing/2014/main" id="{A71976DF-0700-9446-8B89-26C2126E272E}"/>
+              </a:ext>
+            </a:extLst>
+          </p:cNvPr>
+          <p:cNvSpPr/>
+          <p:nvPr/>
+        </p:nvSpPr>
+        <p:spPr>
+          <a:xfrm>
+            <a:off x="4606616" y="2015563"/>
+            <a:ext cx="1033363" cy="334053"/>
+          </a:xfrm>
+          <a:prstGeom prst="rect">
+            <a:avLst/>
+          </a:prstGeom>
+          <a:solidFill>
+            <a:srgbClr val="FF6699"/>
+          </a:solidFill>
+          <a:ln/>
+        </p:spPr>
+        <p:style>
+          <a:lnRef idx="1">
+            <a:schemeClr val="accent2"/>
+          </a:lnRef>
+          <a:fillRef idx="2">
+            <a:schemeClr val="accent2"/>
+          </a:fillRef>
+          <a:effectRef idx="1">
+            <a:schemeClr val="accent2"/>
+          </a:effectRef>
+          <a:fontRef idx="minor">
+            <a:schemeClr val="dk1"/>
+          </a:fontRef>
+        </p:style>
+        <p:txBody>
+          <a:bodyPr rtlCol="0" anchor="ctr"/>
+          <a:lstStyle/>
+          <a:p>
+            <a:pPr algn="ctr"/>
+            <a:r>
+              <a:rPr lang="en-US" sz="1050" dirty="0">
+                <a:solidFill>
+                  <a:schemeClr val="tx1"/>
+                </a:solidFill>
+              </a:rPr>
+              <a:t>Coordinates</a:t>
+            </a:r>
+            <a:endParaRPr lang="en-SG" sz="1050" dirty="0">
+              <a:solidFill>
+                <a:schemeClr val="tx1"/>
+              </a:solidFill>
+            </a:endParaRPr>
+          </a:p>
+        </p:txBody>
+      </p:sp>
+      <p:cxnSp>
+        <p:nvCxnSpPr>
+          <p:cNvPr id="67" name="Elbow Connector 66">
+            <a:extLst>
+              <a:ext uri="{FF2B5EF4-FFF2-40B4-BE49-F238E27FC236}">
+                <a16:creationId xmlns:a16="http://schemas.microsoft.com/office/drawing/2014/main" id="{4A0BE3D0-6A12-D54B-8270-296CD8DB101C}"/>
+              </a:ext>
+            </a:extLst>
+          </p:cNvPr>
+          <p:cNvCxnSpPr>
+            <a:cxnSpLocks/>
+          </p:cNvCxnSpPr>
+          <p:nvPr/>
+        </p:nvCxnSpPr>
+        <p:spPr>
+          <a:xfrm>
+            <a:off x="5815475" y="1301320"/>
+            <a:ext cx="869005" cy="429914"/>
+          </a:xfrm>
+          <a:prstGeom prst="bentConnector3">
+            <a:avLst/>
+          </a:prstGeom>
+          <a:ln w="15875">
+            <a:solidFill>
+              <a:srgbClr val="FF6699"/>
+            </a:solidFill>
+          </a:ln>
+        </p:spPr>
+        <p:style>
+          <a:lnRef idx="1">
+            <a:schemeClr val="accent1"/>
+          </a:lnRef>
+          <a:fillRef idx="0">
+            <a:schemeClr val="accent1"/>
+          </a:fillRef>
+          <a:effectRef idx="0">
+            <a:schemeClr val="accent1"/>
+          </a:effectRef>
+          <a:fontRef idx="minor">
+            <a:schemeClr val="tx1"/>
+          </a:fontRef>
+        </p:style>
+      </p:cxnSp>
+      <p:cxnSp>
+        <p:nvCxnSpPr>
+          <p:cNvPr id="68" name="Straight Connector 67">
+            <a:extLst>
+              <a:ext uri="{FF2B5EF4-FFF2-40B4-BE49-F238E27FC236}">
+                <a16:creationId xmlns:a16="http://schemas.microsoft.com/office/drawing/2014/main" id="{5E67B76D-CD39-AA4C-BE2F-FC20020E5C4D}"/>
+              </a:ext>
+            </a:extLst>
+          </p:cNvPr>
+          <p:cNvCxnSpPr/>
+          <p:nvPr/>
+        </p:nvCxnSpPr>
+        <p:spPr>
+          <a:xfrm>
+            <a:off x="6249977" y="1301320"/>
+            <a:ext cx="434503" cy="0"/>
+          </a:xfrm>
+          <a:prstGeom prst="line">
+            <a:avLst/>
+          </a:prstGeom>
+          <a:ln w="15875">
+            <a:solidFill>
+              <a:srgbClr val="FF6699"/>
+            </a:solidFill>
+          </a:ln>
+        </p:spPr>
+        <p:style>
+          <a:lnRef idx="1">
+            <a:schemeClr val="accent1"/>
+          </a:lnRef>
+          <a:fillRef idx="0">
+            <a:schemeClr val="accent1"/>
+          </a:fillRef>
+          <a:effectRef idx="0">
+            <a:schemeClr val="accent1"/>
+          </a:effectRef>
+          <a:fontRef idx="minor">
+            <a:schemeClr val="tx1"/>
+          </a:fontRef>
+        </p:style>
+      </p:cxnSp>
+      <p:cxnSp>
+        <p:nvCxnSpPr>
+          <p:cNvPr id="69" name="Elbow Connector 68">
+            <a:extLst>
+              <a:ext uri="{FF2B5EF4-FFF2-40B4-BE49-F238E27FC236}">
+                <a16:creationId xmlns:a16="http://schemas.microsoft.com/office/drawing/2014/main" id="{C188E399-C009-1845-9BA6-19EAA0FBD731}"/>
+              </a:ext>
+            </a:extLst>
+          </p:cNvPr>
+          <p:cNvCxnSpPr/>
+          <p:nvPr/>
+        </p:nvCxnSpPr>
+        <p:spPr>
+          <a:xfrm flipV="1">
+            <a:off x="5815475" y="866086"/>
+            <a:ext cx="869005" cy="435234"/>
+          </a:xfrm>
+          <a:prstGeom prst="bentConnector3">
+            <a:avLst/>
+          </a:prstGeom>
+          <a:ln w="15875">
+            <a:solidFill>
+              <a:srgbClr val="FF6699"/>
+            </a:solidFill>
+          </a:ln>
+        </p:spPr>
+        <p:style>
+          <a:lnRef idx="1">
+            <a:schemeClr val="accent1"/>
+          </a:lnRef>
+          <a:fillRef idx="0">
+            <a:schemeClr val="accent1"/>
+          </a:fillRef>
+          <a:effectRef idx="0">
+            <a:schemeClr val="accent1"/>
+          </a:effectRef>
+          <a:fontRef idx="minor">
+            <a:schemeClr val="tx1"/>
+          </a:fontRef>
+        </p:style>
+      </p:cxnSp>
+      <p:sp>
+        <p:nvSpPr>
+          <p:cNvPr id="70" name="Rectangle 8">
+            <a:extLst>
+              <a:ext uri="{FF2B5EF4-FFF2-40B4-BE49-F238E27FC236}">
+                <a16:creationId xmlns:a16="http://schemas.microsoft.com/office/drawing/2014/main" id="{6EB03C59-1EF3-844D-8836-22F0BD59EF16}"/>
+              </a:ext>
+            </a:extLst>
+          </p:cNvPr>
+          <p:cNvSpPr/>
+          <p:nvPr/>
+        </p:nvSpPr>
+        <p:spPr>
+          <a:xfrm>
+            <a:off x="6677291" y="693760"/>
+            <a:ext cx="1033363" cy="334053"/>
+          </a:xfrm>
+          <a:prstGeom prst="rect">
+            <a:avLst/>
+          </a:prstGeom>
+          <a:solidFill>
+            <a:srgbClr val="FF6699"/>
+          </a:solidFill>
+          <a:ln/>
+        </p:spPr>
+        <p:style>
+          <a:lnRef idx="1">
+            <a:schemeClr val="accent2"/>
+          </a:lnRef>
+          <a:fillRef idx="2">
+            <a:schemeClr val="accent2"/>
+          </a:fillRef>
+          <a:effectRef idx="1">
+            <a:schemeClr val="accent2"/>
+          </a:effectRef>
+          <a:fontRef idx="minor">
+            <a:schemeClr val="dk1"/>
+          </a:fontRef>
+        </p:style>
+        <p:txBody>
+          <a:bodyPr rtlCol="0" anchor="ctr"/>
+          <a:lstStyle/>
+          <a:p>
+            <a:pPr algn="ctr"/>
+            <a:r>
+              <a:rPr lang="en-US" sz="1050" dirty="0" err="1">
+                <a:solidFill>
+                  <a:schemeClr val="tx1"/>
+                </a:solidFill>
+              </a:rPr>
+              <a:t>AircraftCarrier</a:t>
+            </a:r>
+            <a:endParaRPr lang="en-US" sz="1050" dirty="0">
+              <a:solidFill>
+                <a:schemeClr val="tx1"/>
+              </a:solidFill>
+            </a:endParaRPr>
+          </a:p>
+          <a:p>
+            <a:pPr algn="ctr"/>
+            <a:r>
+              <a:rPr lang="en-US" sz="1050" dirty="0">
+                <a:solidFill>
+                  <a:schemeClr val="tx1"/>
+                </a:solidFill>
+              </a:rPr>
+              <a:t>Battleship</a:t>
+            </a:r>
+            <a:endParaRPr lang="en-SG" sz="1050" dirty="0">
+              <a:solidFill>
+                <a:schemeClr val="tx1"/>
+              </a:solidFill>
+            </a:endParaRPr>
+          </a:p>
+        </p:txBody>
+      </p:sp>
+      <p:sp>
+        <p:nvSpPr>
+          <p:cNvPr id="71" name="Rectangle 8">
+            <a:extLst>
+              <a:ext uri="{FF2B5EF4-FFF2-40B4-BE49-F238E27FC236}">
+                <a16:creationId xmlns:a16="http://schemas.microsoft.com/office/drawing/2014/main" id="{33FD9CE3-CCF8-014C-87CF-7464DAB22B67}"/>
+              </a:ext>
+            </a:extLst>
+          </p:cNvPr>
+          <p:cNvSpPr/>
+          <p:nvPr/>
+        </p:nvSpPr>
+        <p:spPr>
+          <a:xfrm>
+            <a:off x="6684480" y="1134361"/>
+            <a:ext cx="1033363" cy="334053"/>
+          </a:xfrm>
+          <a:prstGeom prst="rect">
+            <a:avLst/>
+          </a:prstGeom>
+          <a:solidFill>
+            <a:srgbClr val="FF6699"/>
+          </a:solidFill>
+          <a:ln/>
+        </p:spPr>
+        <p:style>
+          <a:lnRef idx="1">
+            <a:schemeClr val="accent2"/>
+          </a:lnRef>
+          <a:fillRef idx="2">
+            <a:schemeClr val="accent2"/>
+          </a:fillRef>
+          <a:effectRef idx="1">
+            <a:schemeClr val="accent2"/>
+          </a:effectRef>
+          <a:fontRef idx="minor">
+            <a:schemeClr val="dk1"/>
+          </a:fontRef>
+        </p:style>
+        <p:txBody>
+          <a:bodyPr rtlCol="0" anchor="ctr"/>
+          <a:lstStyle/>
+          <a:p>
+            <a:pPr algn="ctr"/>
+            <a:r>
+              <a:rPr lang="en-US" sz="1050" dirty="0">
+                <a:solidFill>
+                  <a:schemeClr val="tx1"/>
+                </a:solidFill>
+              </a:rPr>
+              <a:t>Destroyer</a:t>
+            </a:r>
+          </a:p>
+          <a:p>
+            <a:pPr algn="ctr"/>
+            <a:r>
+              <a:rPr lang="en-US" sz="1050" dirty="0">
+                <a:solidFill>
+                  <a:schemeClr val="tx1"/>
+                </a:solidFill>
+              </a:rPr>
+              <a:t>Battleship</a:t>
+            </a:r>
+            <a:endParaRPr lang="en-SG" sz="1050" dirty="0">
+              <a:solidFill>
+                <a:schemeClr val="tx1"/>
+              </a:solidFill>
+            </a:endParaRPr>
+          </a:p>
+        </p:txBody>
+      </p:sp>
+      <p:sp>
+        <p:nvSpPr>
+          <p:cNvPr id="72" name="Rectangle 8">
+            <a:extLst>
+              <a:ext uri="{FF2B5EF4-FFF2-40B4-BE49-F238E27FC236}">
+                <a16:creationId xmlns:a16="http://schemas.microsoft.com/office/drawing/2014/main" id="{809FE0F2-07C8-424B-857C-5A53085C8B9B}"/>
+              </a:ext>
+            </a:extLst>
+          </p:cNvPr>
+          <p:cNvSpPr/>
+          <p:nvPr/>
+        </p:nvSpPr>
+        <p:spPr>
+          <a:xfrm>
+            <a:off x="6694194" y="1574962"/>
+            <a:ext cx="1033363" cy="334053"/>
+          </a:xfrm>
+          <a:prstGeom prst="rect">
+            <a:avLst/>
+          </a:prstGeom>
+          <a:solidFill>
+            <a:srgbClr val="FF6699"/>
+          </a:solidFill>
+          <a:ln/>
+        </p:spPr>
+        <p:style>
+          <a:lnRef idx="1">
+            <a:schemeClr val="accent2"/>
+          </a:lnRef>
+          <a:fillRef idx="2">
+            <a:schemeClr val="accent2"/>
+          </a:fillRef>
+          <a:effectRef idx="1">
+            <a:schemeClr val="accent2"/>
+          </a:effectRef>
+          <a:fontRef idx="minor">
+            <a:schemeClr val="dk1"/>
+          </a:fontRef>
+        </p:style>
+        <p:txBody>
+          <a:bodyPr rtlCol="0" anchor="ctr"/>
+          <a:lstStyle/>
+          <a:p>
+            <a:pPr algn="ctr"/>
+            <a:r>
+              <a:rPr lang="en-US" sz="1050" dirty="0">
+                <a:solidFill>
+                  <a:schemeClr val="tx1"/>
+                </a:solidFill>
+              </a:rPr>
+              <a:t>Cruiser</a:t>
+            </a:r>
+          </a:p>
+          <a:p>
+            <a:pPr algn="ctr"/>
+            <a:r>
+              <a:rPr lang="en-US" sz="1050" dirty="0">
+                <a:solidFill>
+                  <a:schemeClr val="tx1"/>
+                </a:solidFill>
+              </a:rPr>
+              <a:t>Battleship</a:t>
+            </a:r>
+            <a:endParaRPr lang="en-SG" sz="1050" dirty="0">
+              <a:solidFill>
+                <a:schemeClr val="tx1"/>
+              </a:solidFill>
+            </a:endParaRPr>
+          </a:p>
+        </p:txBody>
+      </p:sp>
+      <p:sp>
+        <p:nvSpPr>
+          <p:cNvPr id="74" name="TextBox 73">
+            <a:extLst>
+              <a:ext uri="{FF2B5EF4-FFF2-40B4-BE49-F238E27FC236}">
+                <a16:creationId xmlns:a16="http://schemas.microsoft.com/office/drawing/2014/main" id="{A151540E-3A1A-4C42-BE87-200DEC31FF82}"/>
+              </a:ext>
+            </a:extLst>
+          </p:cNvPr>
+          <p:cNvSpPr txBox="1"/>
+          <p:nvPr/>
+        </p:nvSpPr>
+        <p:spPr>
+          <a:xfrm>
+            <a:off x="4370540" y="1122637"/>
+            <a:ext cx="202298" cy="178683"/>
+          </a:xfrm>
+          <a:prstGeom prst="rect">
+            <a:avLst/>
+          </a:prstGeom>
+          <a:noFill/>
+        </p:spPr>
+        <p:txBody>
+          <a:bodyPr wrap="square" lIns="0" tIns="0" rIns="0" bIns="0" rtlCol="0">
+            <a:noAutofit/>
+          </a:bodyPr>
+          <a:lstStyle/>
+          <a:p>
+            <a:pPr algn="ctr"/>
+            <a:r>
+              <a:rPr lang="en-US" sz="1100" dirty="0">
+                <a:solidFill>
+                  <a:srgbClr val="FF6699"/>
+                </a:solidFill>
+              </a:rPr>
+              <a:t>1</a:t>
+            </a:r>
+            <a:endParaRPr lang="en-SG" sz="1100" dirty="0">
+              <a:solidFill>
+                <a:srgbClr val="FF6699"/>
+              </a:solidFill>
+            </a:endParaRPr>
+          </a:p>
+        </p:txBody>
+      </p:sp>
+      <p:sp>
+        <p:nvSpPr>
+          <p:cNvPr id="77" name="TextBox 76">
+            <a:extLst>
+              <a:ext uri="{FF2B5EF4-FFF2-40B4-BE49-F238E27FC236}">
+                <a16:creationId xmlns:a16="http://schemas.microsoft.com/office/drawing/2014/main" id="{91103631-64C9-FB46-A371-869EA93B11A2}"/>
+              </a:ext>
+            </a:extLst>
+          </p:cNvPr>
+          <p:cNvSpPr txBox="1"/>
+          <p:nvPr/>
+        </p:nvSpPr>
+        <p:spPr>
+          <a:xfrm>
+            <a:off x="4377729" y="1552551"/>
+            <a:ext cx="202298" cy="178683"/>
+          </a:xfrm>
+          <a:prstGeom prst="rect">
+            <a:avLst/>
+          </a:prstGeom>
+          <a:noFill/>
+        </p:spPr>
+        <p:txBody>
+          <a:bodyPr wrap="square" lIns="0" tIns="0" rIns="0" bIns="0" rtlCol="0">
+            <a:noAutofit/>
+          </a:bodyPr>
+          <a:lstStyle/>
+          <a:p>
+            <a:pPr algn="ctr"/>
+            <a:r>
+              <a:rPr lang="en-US" sz="1100" dirty="0">
+                <a:solidFill>
+                  <a:srgbClr val="FF6699"/>
+                </a:solidFill>
+              </a:rPr>
+              <a:t>1</a:t>
+            </a:r>
+            <a:endParaRPr lang="en-SG" sz="1100" dirty="0">
+              <a:solidFill>
+                <a:srgbClr val="FF6699"/>
+              </a:solidFill>
+            </a:endParaRPr>
+          </a:p>
+        </p:txBody>
+      </p:sp>
+      <p:sp>
+        <p:nvSpPr>
+          <p:cNvPr id="78" name="TextBox 77">
+            <a:extLst>
+              <a:ext uri="{FF2B5EF4-FFF2-40B4-BE49-F238E27FC236}">
+                <a16:creationId xmlns:a16="http://schemas.microsoft.com/office/drawing/2014/main" id="{55E4F891-29B5-6941-9967-F8E6F17627D5}"/>
+              </a:ext>
+            </a:extLst>
+          </p:cNvPr>
+          <p:cNvSpPr txBox="1"/>
+          <p:nvPr/>
+        </p:nvSpPr>
+        <p:spPr>
+          <a:xfrm>
+            <a:off x="4389590" y="2005545"/>
+            <a:ext cx="202298" cy="178683"/>
+          </a:xfrm>
+          <a:prstGeom prst="rect">
+            <a:avLst/>
+          </a:prstGeom>
+          <a:noFill/>
+        </p:spPr>
+        <p:txBody>
+          <a:bodyPr wrap="square" lIns="0" tIns="0" rIns="0" bIns="0" rtlCol="0">
+            <a:noAutofit/>
+          </a:bodyPr>
+          <a:lstStyle/>
+          <a:p>
+            <a:pPr algn="ctr"/>
+            <a:r>
+              <a:rPr lang="en-US" sz="1100" dirty="0">
+                <a:solidFill>
+                  <a:srgbClr val="FF6699"/>
+                </a:solidFill>
+              </a:rPr>
+              <a:t>1</a:t>
+            </a:r>
+            <a:endParaRPr lang="en-SG" sz="1100" dirty="0">
+              <a:solidFill>
+                <a:srgbClr val="FF6699"/>
+              </a:solidFill>
+            </a:endParaRPr>
+          </a:p>
+        </p:txBody>
+      </p:sp>
+      <p:sp>
+        <p:nvSpPr>
+          <p:cNvPr id="79" name="Isosceles Triangle 102">
+            <a:extLst>
+              <a:ext uri="{FF2B5EF4-FFF2-40B4-BE49-F238E27FC236}">
+                <a16:creationId xmlns:a16="http://schemas.microsoft.com/office/drawing/2014/main" id="{BFC4F456-F972-7843-94DA-5EB901FD74E7}"/>
+              </a:ext>
+            </a:extLst>
+          </p:cNvPr>
+          <p:cNvSpPr/>
+          <p:nvPr/>
+        </p:nvSpPr>
+        <p:spPr>
+          <a:xfrm rot="16200000">
+            <a:off x="5592461" y="1213558"/>
+            <a:ext cx="270504" cy="175523"/>
+          </a:xfrm>
+          <a:prstGeom prst="triangle">
+            <a:avLst/>
+          </a:prstGeom>
+          <a:noFill/>
+          <a:ln w="19050">
+            <a:solidFill>
+              <a:srgbClr val="FF6699"/>
+            </a:solidFill>
+          </a:ln>
+          <a:effectLst/>
+        </p:spPr>
+        <p:style>
+          <a:lnRef idx="1">
+            <a:schemeClr val="accent6"/>
+          </a:lnRef>
+          <a:fillRef idx="2">
+            <a:schemeClr val="accent6"/>
+          </a:fillRef>
+          <a:effectRef idx="1">
+            <a:schemeClr val="accent6"/>
+          </a:effectRef>
+          <a:fontRef idx="minor">
+            <a:schemeClr val="dk1"/>
+          </a:fontRef>
+        </p:style>
+        <p:txBody>
+          <a:bodyPr rtlCol="0" anchor="ctr"/>
+          <a:lstStyle/>
+          <a:p>
+            <a:pPr algn="ctr"/>
+            <a:endParaRPr lang="en-SG" sz="1050"/>
+          </a:p>
+        </p:txBody>
+      </p:sp>
+      <p:sp>
+        <p:nvSpPr>
+          <p:cNvPr id="80" name="TextBox 79">
+            <a:extLst>
+              <a:ext uri="{FF2B5EF4-FFF2-40B4-BE49-F238E27FC236}">
+                <a16:creationId xmlns:a16="http://schemas.microsoft.com/office/drawing/2014/main" id="{15C8C3C6-9381-AB4A-BAEF-16B7203691EA}"/>
+              </a:ext>
+            </a:extLst>
+          </p:cNvPr>
+          <p:cNvSpPr txBox="1"/>
+          <p:nvPr/>
+        </p:nvSpPr>
+        <p:spPr>
+          <a:xfrm>
+            <a:off x="2922636" y="1943110"/>
+            <a:ext cx="373954" cy="178683"/>
+          </a:xfrm>
+          <a:prstGeom prst="rect">
+            <a:avLst/>
+          </a:prstGeom>
+          <a:noFill/>
+        </p:spPr>
+        <p:txBody>
+          <a:bodyPr wrap="square" lIns="0" tIns="0" rIns="0" bIns="0" rtlCol="0">
+            <a:noAutofit/>
+          </a:bodyPr>
+          <a:lstStyle/>
+          <a:p>
+            <a:pPr algn="ctr"/>
+            <a:r>
+              <a:rPr lang="en-US" sz="1100" dirty="0">
+                <a:solidFill>
+                  <a:srgbClr val="FF6699"/>
+                </a:solidFill>
+              </a:rPr>
+              <a:t>*</a:t>
+            </a:r>
+            <a:endParaRPr lang="en-SG" sz="1100" dirty="0">
+              <a:solidFill>
+                <a:srgbClr val="FF6699"/>
+              </a:solidFill>
+            </a:endParaRPr>
+          </a:p>
+        </p:txBody>
+      </p:sp>
+      <p:sp>
+        <p:nvSpPr>
+          <p:cNvPr id="81" name="Flowchart: Decision 96">
+            <a:extLst>
+              <a:ext uri="{FF2B5EF4-FFF2-40B4-BE49-F238E27FC236}">
+                <a16:creationId xmlns:a16="http://schemas.microsoft.com/office/drawing/2014/main" id="{9DEDA065-12E2-014D-8997-EC2AA7200805}"/>
+              </a:ext>
+            </a:extLst>
+          </p:cNvPr>
+          <p:cNvSpPr/>
+          <p:nvPr/>
+        </p:nvSpPr>
+        <p:spPr>
+          <a:xfrm rot="16200000">
+            <a:off x="2820543" y="2247090"/>
+            <a:ext cx="236048" cy="173380"/>
+          </a:xfrm>
+          <a:prstGeom prst="flowChartDecision">
+            <a:avLst/>
+          </a:prstGeom>
+          <a:solidFill>
+            <a:srgbClr val="FF6699"/>
+          </a:solidFill>
+          <a:ln w="19050">
+            <a:solidFill>
+              <a:srgbClr val="FF6699"/>
+            </a:solidFill>
+          </a:ln>
+          <a:effectLst/>
+        </p:spPr>
+        <p:style>
+          <a:lnRef idx="1">
+            <a:schemeClr val="accent6"/>
+          </a:lnRef>
+          <a:fillRef idx="2">
+            <a:schemeClr val="accent6"/>
+          </a:fillRef>
+          <a:effectRef idx="1">
+            <a:schemeClr val="accent6"/>
+          </a:effectRef>
+          <a:fontRef idx="minor">
+            <a:schemeClr val="dk1"/>
+          </a:fontRef>
+        </p:style>
+        <p:txBody>
+          <a:bodyPr rtlCol="0" anchor="ctr"/>
+          <a:lstStyle/>
+          <a:p>
+            <a:pPr algn="ctr"/>
+            <a:endParaRPr lang="en-US" sz="1050"/>
+          </a:p>
+        </p:txBody>
+      </p:sp>
+      <p:sp>
+        <p:nvSpPr>
+          <p:cNvPr id="82" name="TextBox 81">
+            <a:extLst>
+              <a:ext uri="{FF2B5EF4-FFF2-40B4-BE49-F238E27FC236}">
+                <a16:creationId xmlns:a16="http://schemas.microsoft.com/office/drawing/2014/main" id="{5A3BE89E-82E1-BD46-B1E6-DA13BB95C04C}"/>
+              </a:ext>
+            </a:extLst>
+          </p:cNvPr>
+          <p:cNvSpPr txBox="1"/>
+          <p:nvPr/>
+        </p:nvSpPr>
+        <p:spPr>
+          <a:xfrm>
+            <a:off x="2974706" y="2794702"/>
+            <a:ext cx="202298" cy="178683"/>
+          </a:xfrm>
+          <a:prstGeom prst="rect">
+            <a:avLst/>
+          </a:prstGeom>
+          <a:noFill/>
+        </p:spPr>
+        <p:txBody>
+          <a:bodyPr wrap="square" lIns="0" tIns="0" rIns="0" bIns="0" rtlCol="0">
+            <a:noAutofit/>
+          </a:bodyPr>
+          <a:lstStyle/>
+          <a:p>
+            <a:pPr algn="ctr"/>
+            <a:r>
+              <a:rPr lang="en-US" sz="1100" dirty="0">
+                <a:solidFill>
+                  <a:srgbClr val="FF6699"/>
+                </a:solidFill>
+              </a:rPr>
+              <a:t>1</a:t>
+            </a:r>
+            <a:endParaRPr lang="en-SG" sz="1100" dirty="0">
+              <a:solidFill>
+                <a:srgbClr val="FF6699"/>
+              </a:solidFill>
+            </a:endParaRPr>
           </a:p>
         </p:txBody>
       </p:sp>

--- a/docs/diagrams/BattleshipModelDiagram.pptx
+++ b/docs/diagrams/BattleshipModelDiagram.pptx
@@ -129,7 +129,7 @@
 <file path=ppt/revisionInfo.xml><?xml version="1.0" encoding="utf-8"?>
 <p1510:revInfo xmlns:a="http://schemas.openxmlformats.org/drawingml/2006/main" xmlns:r="http://schemas.openxmlformats.org/officeDocument/2006/relationships" xmlns:p1510="http://schemas.microsoft.com/office/powerpoint/2015/10/main">
   <p1510:revLst>
-    <p1510:client id="{91585DDA-80D1-2A41-BA8C-034FE7E6CF66}" v="42" dt="2019-04-02T02:35:30.020"/>
+    <p1510:client id="{91585DDA-80D1-2A41-BA8C-034FE7E6CF66}" v="70" dt="2019-04-02T07:41:25.407"/>
   </p1510:revLst>
 </p1510:revInfo>
 </file>
@@ -139,12 +139,12 @@
   <pc:docChgLst>
     <pc:chgData name="Ian Wu Ling En" userId="28715549-2f5c-46f8-b7f8-f39c35f3312d" providerId="ADAL" clId="{91585DDA-80D1-2A41-BA8C-034FE7E6CF66}"/>
     <pc:docChg chg="undo custSel addSld delSld modSld">
-      <pc:chgData name="Ian Wu Ling En" userId="28715549-2f5c-46f8-b7f8-f39c35f3312d" providerId="ADAL" clId="{91585DDA-80D1-2A41-BA8C-034FE7E6CF66}" dt="2019-04-02T02:35:30.020" v="265" actId="167"/>
+      <pc:chgData name="Ian Wu Ling En" userId="28715549-2f5c-46f8-b7f8-f39c35f3312d" providerId="ADAL" clId="{91585DDA-80D1-2A41-BA8C-034FE7E6CF66}" dt="2019-04-02T07:44:35.416" v="363" actId="2696"/>
       <pc:docMkLst>
         <pc:docMk/>
       </pc:docMkLst>
       <pc:sldChg chg="addSp delSp modSp">
-        <pc:chgData name="Ian Wu Ling En" userId="28715549-2f5c-46f8-b7f8-f39c35f3312d" providerId="ADAL" clId="{91585DDA-80D1-2A41-BA8C-034FE7E6CF66}" dt="2019-04-02T02:35:30.020" v="265" actId="167"/>
+        <pc:chgData name="Ian Wu Ling En" userId="28715549-2f5c-46f8-b7f8-f39c35f3312d" providerId="ADAL" clId="{91585DDA-80D1-2A41-BA8C-034FE7E6CF66}" dt="2019-04-02T07:41:25.407" v="362" actId="167"/>
         <pc:sldMkLst>
           <pc:docMk/>
           <pc:sldMk cId="2396968029" sldId="263"/>
@@ -165,8 +165,16 @@
             <ac:spMk id="9" creationId="{00000000-0000-0000-0000-000000000000}"/>
           </ac:spMkLst>
         </pc:spChg>
+        <pc:spChg chg="add del mod">
+          <ac:chgData name="Ian Wu Ling En" userId="28715549-2f5c-46f8-b7f8-f39c35f3312d" providerId="ADAL" clId="{91585DDA-80D1-2A41-BA8C-034FE7E6CF66}" dt="2019-04-02T07:32:09.191" v="323"/>
+          <ac:spMkLst>
+            <pc:docMk/>
+            <pc:sldMk cId="2396968029" sldId="263"/>
+            <ac:spMk id="23" creationId="{2E5BC9F9-7768-324C-87A6-B5EB45CAC6D9}"/>
+          </ac:spMkLst>
+        </pc:spChg>
         <pc:spChg chg="add mod">
-          <ac:chgData name="Ian Wu Ling En" userId="28715549-2f5c-46f8-b7f8-f39c35f3312d" providerId="ADAL" clId="{91585DDA-80D1-2A41-BA8C-034FE7E6CF66}" dt="2019-04-02T02:19:36.434" v="13" actId="207"/>
+          <ac:chgData name="Ian Wu Ling En" userId="28715549-2f5c-46f8-b7f8-f39c35f3312d" providerId="ADAL" clId="{91585DDA-80D1-2A41-BA8C-034FE7E6CF66}" dt="2019-04-02T07:25:44.272" v="282" actId="207"/>
           <ac:spMkLst>
             <pc:docMk/>
             <pc:sldMk cId="2396968029" sldId="263"/>
@@ -174,7 +182,7 @@
           </ac:spMkLst>
         </pc:spChg>
         <pc:spChg chg="add mod">
-          <ac:chgData name="Ian Wu Ling En" userId="28715549-2f5c-46f8-b7f8-f39c35f3312d" providerId="ADAL" clId="{91585DDA-80D1-2A41-BA8C-034FE7E6CF66}" dt="2019-04-02T02:33:15.969" v="259" actId="1076"/>
+          <ac:chgData name="Ian Wu Ling En" userId="28715549-2f5c-46f8-b7f8-f39c35f3312d" providerId="ADAL" clId="{91585DDA-80D1-2A41-BA8C-034FE7E6CF66}" dt="2019-04-02T07:23:52.437" v="268" actId="207"/>
           <ac:spMkLst>
             <pc:docMk/>
             <pc:sldMk cId="2396968029" sldId="263"/>
@@ -190,7 +198,7 @@
           </ac:spMkLst>
         </pc:spChg>
         <pc:spChg chg="add mod">
-          <ac:chgData name="Ian Wu Ling En" userId="28715549-2f5c-46f8-b7f8-f39c35f3312d" providerId="ADAL" clId="{91585DDA-80D1-2A41-BA8C-034FE7E6CF66}" dt="2019-04-02T02:33:15.969" v="259" actId="1076"/>
+          <ac:chgData name="Ian Wu Ling En" userId="28715549-2f5c-46f8-b7f8-f39c35f3312d" providerId="ADAL" clId="{91585DDA-80D1-2A41-BA8C-034FE7E6CF66}" dt="2019-04-02T07:23:52.437" v="268" actId="207"/>
           <ac:spMkLst>
             <pc:docMk/>
             <pc:sldMk cId="2396968029" sldId="263"/>
@@ -206,7 +214,7 @@
           </ac:spMkLst>
         </pc:spChg>
         <pc:spChg chg="add mod">
-          <ac:chgData name="Ian Wu Ling En" userId="28715549-2f5c-46f8-b7f8-f39c35f3312d" providerId="ADAL" clId="{91585DDA-80D1-2A41-BA8C-034FE7E6CF66}" dt="2019-04-02T02:33:15.969" v="259" actId="1076"/>
+          <ac:chgData name="Ian Wu Ling En" userId="28715549-2f5c-46f8-b7f8-f39c35f3312d" providerId="ADAL" clId="{91585DDA-80D1-2A41-BA8C-034FE7E6CF66}" dt="2019-04-02T07:25:03.074" v="272" actId="208"/>
           <ac:spMkLst>
             <pc:docMk/>
             <pc:sldMk cId="2396968029" sldId="263"/>
@@ -245,6 +253,22 @@
             <ac:spMk id="54" creationId="{00000000-0000-0000-0000-000000000000}"/>
           </ac:spMkLst>
         </pc:spChg>
+        <pc:spChg chg="add del">
+          <ac:chgData name="Ian Wu Ling En" userId="28715549-2f5c-46f8-b7f8-f39c35f3312d" providerId="ADAL" clId="{91585DDA-80D1-2A41-BA8C-034FE7E6CF66}" dt="2019-04-02T07:27:22.981" v="284"/>
+          <ac:spMkLst>
+            <pc:docMk/>
+            <pc:sldMk cId="2396968029" sldId="263"/>
+            <ac:spMk id="55" creationId="{0881B288-C6F7-7F4D-9962-3A21F40E1A22}"/>
+          </ac:spMkLst>
+        </pc:spChg>
+        <pc:spChg chg="add mod">
+          <ac:chgData name="Ian Wu Ling En" userId="28715549-2f5c-46f8-b7f8-f39c35f3312d" providerId="ADAL" clId="{91585DDA-80D1-2A41-BA8C-034FE7E6CF66}" dt="2019-04-02T07:28:06.772" v="294" actId="1076"/>
+          <ac:spMkLst>
+            <pc:docMk/>
+            <pc:sldMk cId="2396968029" sldId="263"/>
+            <ac:spMk id="56" creationId="{9D8B4EC3-5317-F747-B54D-F59418B11F45}"/>
+          </ac:spMkLst>
+        </pc:spChg>
         <pc:spChg chg="mod">
           <ac:chgData name="Ian Wu Ling En" userId="28715549-2f5c-46f8-b7f8-f39c35f3312d" providerId="ADAL" clId="{91585DDA-80D1-2A41-BA8C-034FE7E6CF66}" dt="2019-04-02T02:17:04.410" v="4" actId="1076"/>
           <ac:spMkLst>
@@ -269,8 +293,8 @@
             <ac:spMk id="61" creationId="{00000000-0000-0000-0000-000000000000}"/>
           </ac:spMkLst>
         </pc:spChg>
-        <pc:spChg chg="add mod">
-          <ac:chgData name="Ian Wu Ling En" userId="28715549-2f5c-46f8-b7f8-f39c35f3312d" providerId="ADAL" clId="{91585DDA-80D1-2A41-BA8C-034FE7E6CF66}" dt="2019-04-02T02:33:15.969" v="259" actId="1076"/>
+        <pc:spChg chg="add del mod">
+          <ac:chgData name="Ian Wu Ling En" userId="28715549-2f5c-46f8-b7f8-f39c35f3312d" providerId="ADAL" clId="{91585DDA-80D1-2A41-BA8C-034FE7E6CF66}" dt="2019-04-02T07:27:48.567" v="289"/>
           <ac:spMkLst>
             <pc:docMk/>
             <pc:sldMk cId="2396968029" sldId="263"/>
@@ -278,7 +302,7 @@
           </ac:spMkLst>
         </pc:spChg>
         <pc:spChg chg="add mod">
-          <ac:chgData name="Ian Wu Ling En" userId="28715549-2f5c-46f8-b7f8-f39c35f3312d" providerId="ADAL" clId="{91585DDA-80D1-2A41-BA8C-034FE7E6CF66}" dt="2019-04-02T02:33:15.969" v="259" actId="1076"/>
+          <ac:chgData name="Ian Wu Ling En" userId="28715549-2f5c-46f8-b7f8-f39c35f3312d" providerId="ADAL" clId="{91585DDA-80D1-2A41-BA8C-034FE7E6CF66}" dt="2019-04-02T07:37:15.112" v="356" actId="20577"/>
           <ac:spMkLst>
             <pc:docMk/>
             <pc:sldMk cId="2396968029" sldId="263"/>
@@ -286,7 +310,7 @@
           </ac:spMkLst>
         </pc:spChg>
         <pc:spChg chg="add mod">
-          <ac:chgData name="Ian Wu Ling En" userId="28715549-2f5c-46f8-b7f8-f39c35f3312d" providerId="ADAL" clId="{91585DDA-80D1-2A41-BA8C-034FE7E6CF66}" dt="2019-04-02T02:33:15.969" v="259" actId="1076"/>
+          <ac:chgData name="Ian Wu Ling En" userId="28715549-2f5c-46f8-b7f8-f39c35f3312d" providerId="ADAL" clId="{91585DDA-80D1-2A41-BA8C-034FE7E6CF66}" dt="2019-04-02T07:37:12.920" v="345" actId="20577"/>
           <ac:spMkLst>
             <pc:docMk/>
             <pc:sldMk cId="2396968029" sldId="263"/>
@@ -309,24 +333,24 @@
             <ac:spMk id="66" creationId="{00000000-0000-0000-0000-000000000000}"/>
           </ac:spMkLst>
         </pc:spChg>
-        <pc:spChg chg="add mod">
-          <ac:chgData name="Ian Wu Ling En" userId="28715549-2f5c-46f8-b7f8-f39c35f3312d" providerId="ADAL" clId="{91585DDA-80D1-2A41-BA8C-034FE7E6CF66}" dt="2019-04-02T02:33:15.969" v="259" actId="1076"/>
+        <pc:spChg chg="add del mod">
+          <ac:chgData name="Ian Wu Ling En" userId="28715549-2f5c-46f8-b7f8-f39c35f3312d" providerId="ADAL" clId="{91585DDA-80D1-2A41-BA8C-034FE7E6CF66}" dt="2019-04-02T07:27:48.567" v="289"/>
           <ac:spMkLst>
             <pc:docMk/>
             <pc:sldMk cId="2396968029" sldId="263"/>
             <ac:spMk id="70" creationId="{6EB03C59-1EF3-844D-8836-22F0BD59EF16}"/>
           </ac:spMkLst>
         </pc:spChg>
-        <pc:spChg chg="add mod">
-          <ac:chgData name="Ian Wu Ling En" userId="28715549-2f5c-46f8-b7f8-f39c35f3312d" providerId="ADAL" clId="{91585DDA-80D1-2A41-BA8C-034FE7E6CF66}" dt="2019-04-02T02:33:15.969" v="259" actId="1076"/>
+        <pc:spChg chg="add del mod">
+          <ac:chgData name="Ian Wu Ling En" userId="28715549-2f5c-46f8-b7f8-f39c35f3312d" providerId="ADAL" clId="{91585DDA-80D1-2A41-BA8C-034FE7E6CF66}" dt="2019-04-02T07:27:48.567" v="289"/>
           <ac:spMkLst>
             <pc:docMk/>
             <pc:sldMk cId="2396968029" sldId="263"/>
             <ac:spMk id="71" creationId="{33FD9CE3-CCF8-014C-87CF-7464DAB22B67}"/>
           </ac:spMkLst>
         </pc:spChg>
-        <pc:spChg chg="add mod">
-          <ac:chgData name="Ian Wu Ling En" userId="28715549-2f5c-46f8-b7f8-f39c35f3312d" providerId="ADAL" clId="{91585DDA-80D1-2A41-BA8C-034FE7E6CF66}" dt="2019-04-02T02:33:15.969" v="259" actId="1076"/>
+        <pc:spChg chg="add del mod">
+          <ac:chgData name="Ian Wu Ling En" userId="28715549-2f5c-46f8-b7f8-f39c35f3312d" providerId="ADAL" clId="{91585DDA-80D1-2A41-BA8C-034FE7E6CF66}" dt="2019-04-02T07:27:48.567" v="289"/>
           <ac:spMkLst>
             <pc:docMk/>
             <pc:sldMk cId="2396968029" sldId="263"/>
@@ -334,7 +358,7 @@
           </ac:spMkLst>
         </pc:spChg>
         <pc:spChg chg="add mod">
-          <ac:chgData name="Ian Wu Ling En" userId="28715549-2f5c-46f8-b7f8-f39c35f3312d" providerId="ADAL" clId="{91585DDA-80D1-2A41-BA8C-034FE7E6CF66}" dt="2019-04-02T02:33:15.969" v="259" actId="1076"/>
+          <ac:chgData name="Ian Wu Ling En" userId="28715549-2f5c-46f8-b7f8-f39c35f3312d" providerId="ADAL" clId="{91585DDA-80D1-2A41-BA8C-034FE7E6CF66}" dt="2019-04-02T07:40:03.692" v="359" actId="552"/>
           <ac:spMkLst>
             <pc:docMk/>
             <pc:sldMk cId="2396968029" sldId="263"/>
@@ -350,7 +374,7 @@
           </ac:spMkLst>
         </pc:spChg>
         <pc:spChg chg="add mod">
-          <ac:chgData name="Ian Wu Ling En" userId="28715549-2f5c-46f8-b7f8-f39c35f3312d" providerId="ADAL" clId="{91585DDA-80D1-2A41-BA8C-034FE7E6CF66}" dt="2019-04-02T02:33:15.969" v="259" actId="1076"/>
+          <ac:chgData name="Ian Wu Ling En" userId="28715549-2f5c-46f8-b7f8-f39c35f3312d" providerId="ADAL" clId="{91585DDA-80D1-2A41-BA8C-034FE7E6CF66}" dt="2019-04-02T07:40:03.692" v="359" actId="552"/>
           <ac:spMkLst>
             <pc:docMk/>
             <pc:sldMk cId="2396968029" sldId="263"/>
@@ -358,15 +382,15 @@
           </ac:spMkLst>
         </pc:spChg>
         <pc:spChg chg="add mod">
-          <ac:chgData name="Ian Wu Ling En" userId="28715549-2f5c-46f8-b7f8-f39c35f3312d" providerId="ADAL" clId="{91585DDA-80D1-2A41-BA8C-034FE7E6CF66}" dt="2019-04-02T02:33:15.969" v="259" actId="1076"/>
+          <ac:chgData name="Ian Wu Ling En" userId="28715549-2f5c-46f8-b7f8-f39c35f3312d" providerId="ADAL" clId="{91585DDA-80D1-2A41-BA8C-034FE7E6CF66}" dt="2019-04-02T07:40:03.692" v="359" actId="552"/>
           <ac:spMkLst>
             <pc:docMk/>
             <pc:sldMk cId="2396968029" sldId="263"/>
             <ac:spMk id="78" creationId="{55E4F891-29B5-6941-9967-F8E6F17627D5}"/>
           </ac:spMkLst>
         </pc:spChg>
-        <pc:spChg chg="add mod">
-          <ac:chgData name="Ian Wu Ling En" userId="28715549-2f5c-46f8-b7f8-f39c35f3312d" providerId="ADAL" clId="{91585DDA-80D1-2A41-BA8C-034FE7E6CF66}" dt="2019-04-02T02:33:15.969" v="259" actId="1076"/>
+        <pc:spChg chg="add del mod">
+          <ac:chgData name="Ian Wu Ling En" userId="28715549-2f5c-46f8-b7f8-f39c35f3312d" providerId="ADAL" clId="{91585DDA-80D1-2A41-BA8C-034FE7E6CF66}" dt="2019-04-02T07:27:48.567" v="289"/>
           <ac:spMkLst>
             <pc:docMk/>
             <pc:sldMk cId="2396968029" sldId="263"/>
@@ -374,7 +398,7 @@
           </ac:spMkLst>
         </pc:spChg>
         <pc:spChg chg="add mod">
-          <ac:chgData name="Ian Wu Ling En" userId="28715549-2f5c-46f8-b7f8-f39c35f3312d" providerId="ADAL" clId="{91585DDA-80D1-2A41-BA8C-034FE7E6CF66}" dt="2019-04-02T02:33:15.969" v="259" actId="1076"/>
+          <ac:chgData name="Ian Wu Ling En" userId="28715549-2f5c-46f8-b7f8-f39c35f3312d" providerId="ADAL" clId="{91585DDA-80D1-2A41-BA8C-034FE7E6CF66}" dt="2019-04-02T07:25:41.243" v="280" actId="1076"/>
           <ac:spMkLst>
             <pc:docMk/>
             <pc:sldMk cId="2396968029" sldId="263"/>
@@ -382,7 +406,7 @@
           </ac:spMkLst>
         </pc:spChg>
         <pc:spChg chg="add mod">
-          <ac:chgData name="Ian Wu Ling En" userId="28715549-2f5c-46f8-b7f8-f39c35f3312d" providerId="ADAL" clId="{91585DDA-80D1-2A41-BA8C-034FE7E6CF66}" dt="2019-04-02T02:33:15.969" v="259" actId="1076"/>
+          <ac:chgData name="Ian Wu Ling En" userId="28715549-2f5c-46f8-b7f8-f39c35f3312d" providerId="ADAL" clId="{91585DDA-80D1-2A41-BA8C-034FE7E6CF66}" dt="2019-04-02T07:25:44.272" v="282" actId="207"/>
           <ac:spMkLst>
             <pc:docMk/>
             <pc:sldMk cId="2396968029" sldId="263"/>
@@ -390,19 +414,35 @@
           </ac:spMkLst>
         </pc:spChg>
         <pc:spChg chg="add mod">
-          <ac:chgData name="Ian Wu Ling En" userId="28715549-2f5c-46f8-b7f8-f39c35f3312d" providerId="ADAL" clId="{91585DDA-80D1-2A41-BA8C-034FE7E6CF66}" dt="2019-04-02T02:33:09.273" v="258" actId="1076"/>
+          <ac:chgData name="Ian Wu Ling En" userId="28715549-2f5c-46f8-b7f8-f39c35f3312d" providerId="ADAL" clId="{91585DDA-80D1-2A41-BA8C-034FE7E6CF66}" dt="2019-04-02T07:25:24.674" v="277" actId="207"/>
           <ac:spMkLst>
             <pc:docMk/>
             <pc:sldMk cId="2396968029" sldId="263"/>
             <ac:spMk id="82" creationId="{5A3BE89E-82E1-BD46-B1E6-DA13BB95C04C}"/>
           </ac:spMkLst>
         </pc:spChg>
-        <pc:spChg chg="add mod">
-          <ac:chgData name="Ian Wu Ling En" userId="28715549-2f5c-46f8-b7f8-f39c35f3312d" providerId="ADAL" clId="{91585DDA-80D1-2A41-BA8C-034FE7E6CF66}" dt="2019-04-02T02:35:30.020" v="265" actId="167"/>
+        <pc:spChg chg="add del mod">
+          <ac:chgData name="Ian Wu Ling En" userId="28715549-2f5c-46f8-b7f8-f39c35f3312d" providerId="ADAL" clId="{91585DDA-80D1-2A41-BA8C-034FE7E6CF66}" dt="2019-04-02T07:23:36.938" v="267"/>
           <ac:spMkLst>
             <pc:docMk/>
             <pc:sldMk cId="2396968029" sldId="263"/>
             <ac:spMk id="83" creationId="{E81DEB44-C688-4443-B6C9-A2EA11A1AD6B}"/>
+          </ac:spMkLst>
+        </pc:spChg>
+        <pc:spChg chg="add del mod">
+          <ac:chgData name="Ian Wu Ling En" userId="28715549-2f5c-46f8-b7f8-f39c35f3312d" providerId="ADAL" clId="{91585DDA-80D1-2A41-BA8C-034FE7E6CF66}" dt="2019-04-02T07:30:27.965" v="302" actId="164"/>
+          <ac:spMkLst>
+            <pc:docMk/>
+            <pc:sldMk cId="2396968029" sldId="263"/>
+            <ac:spMk id="85" creationId="{8D9FE6AE-C49D-9F4D-8434-1FBF3432EE5C}"/>
+          </ac:spMkLst>
+        </pc:spChg>
+        <pc:spChg chg="add del mod">
+          <ac:chgData name="Ian Wu Ling En" userId="28715549-2f5c-46f8-b7f8-f39c35f3312d" providerId="ADAL" clId="{91585DDA-80D1-2A41-BA8C-034FE7E6CF66}" dt="2019-04-02T07:30:27.965" v="302" actId="164"/>
+          <ac:spMkLst>
+            <pc:docMk/>
+            <pc:sldMk cId="2396968029" sldId="263"/>
+            <ac:spMk id="86" creationId="{4EDBD8A4-FE8C-4449-81F9-4D6EA9BCDAF0}"/>
           </ac:spMkLst>
         </pc:spChg>
         <pc:spChg chg="mod">
@@ -411,6 +451,54 @@
             <pc:docMk/>
             <pc:sldMk cId="2396968029" sldId="263"/>
             <ac:spMk id="87" creationId="{DE635BB3-FA0C-496F-A177-624093905D90}"/>
+          </ac:spMkLst>
+        </pc:spChg>
+        <pc:spChg chg="add del mod">
+          <ac:chgData name="Ian Wu Ling En" userId="28715549-2f5c-46f8-b7f8-f39c35f3312d" providerId="ADAL" clId="{91585DDA-80D1-2A41-BA8C-034FE7E6CF66}" dt="2019-04-02T07:30:27.965" v="302" actId="164"/>
+          <ac:spMkLst>
+            <pc:docMk/>
+            <pc:sldMk cId="2396968029" sldId="263"/>
+            <ac:spMk id="88" creationId="{4AF9285B-8094-C743-827A-D6C1E9F75B4F}"/>
+          </ac:spMkLst>
+        </pc:spChg>
+        <pc:spChg chg="add mod">
+          <ac:chgData name="Ian Wu Ling En" userId="28715549-2f5c-46f8-b7f8-f39c35f3312d" providerId="ADAL" clId="{91585DDA-80D1-2A41-BA8C-034FE7E6CF66}" dt="2019-04-02T07:30:32.290" v="303" actId="164"/>
+          <ac:spMkLst>
+            <pc:docMk/>
+            <pc:sldMk cId="2396968029" sldId="263"/>
+            <ac:spMk id="89" creationId="{02ACB4DC-9CA5-5F45-AC52-EB0738F68C11}"/>
+          </ac:spMkLst>
+        </pc:spChg>
+        <pc:spChg chg="add mod">
+          <ac:chgData name="Ian Wu Ling En" userId="28715549-2f5c-46f8-b7f8-f39c35f3312d" providerId="ADAL" clId="{91585DDA-80D1-2A41-BA8C-034FE7E6CF66}" dt="2019-04-02T07:32:18.822" v="331" actId="14100"/>
+          <ac:spMkLst>
+            <pc:docMk/>
+            <pc:sldMk cId="2396968029" sldId="263"/>
+            <ac:spMk id="90" creationId="{343A39A1-D1E9-B946-AE78-909327575D04}"/>
+          </ac:spMkLst>
+        </pc:spChg>
+        <pc:spChg chg="add mod">
+          <ac:chgData name="Ian Wu Ling En" userId="28715549-2f5c-46f8-b7f8-f39c35f3312d" providerId="ADAL" clId="{91585DDA-80D1-2A41-BA8C-034FE7E6CF66}" dt="2019-04-02T07:31:59.531" v="319" actId="1076"/>
+          <ac:spMkLst>
+            <pc:docMk/>
+            <pc:sldMk cId="2396968029" sldId="263"/>
+            <ac:spMk id="91" creationId="{BD8D71DF-6191-284E-A25E-1EEB1000EC91}"/>
+          </ac:spMkLst>
+        </pc:spChg>
+        <pc:spChg chg="add mod">
+          <ac:chgData name="Ian Wu Ling En" userId="28715549-2f5c-46f8-b7f8-f39c35f3312d" providerId="ADAL" clId="{91585DDA-80D1-2A41-BA8C-034FE7E6CF66}" dt="2019-04-02T07:32:40.062" v="334" actId="1076"/>
+          <ac:spMkLst>
+            <pc:docMk/>
+            <pc:sldMk cId="2396968029" sldId="263"/>
+            <ac:spMk id="92" creationId="{4B3C2B86-E0C4-F241-8E2E-791AC6C9973F}"/>
+          </ac:spMkLst>
+        </pc:spChg>
+        <pc:spChg chg="add mod">
+          <ac:chgData name="Ian Wu Ling En" userId="28715549-2f5c-46f8-b7f8-f39c35f3312d" providerId="ADAL" clId="{91585DDA-80D1-2A41-BA8C-034FE7E6CF66}" dt="2019-04-02T07:41:25.407" v="362" actId="167"/>
+          <ac:spMkLst>
+            <pc:docMk/>
+            <pc:sldMk cId="2396968029" sldId="263"/>
+            <ac:spMk id="93" creationId="{50EF617B-95B7-0846-AA13-C01763B16B1A}"/>
           </ac:spMkLst>
         </pc:spChg>
         <pc:spChg chg="mod">
@@ -461,16 +549,48 @@
             <ac:spMk id="145" creationId="{F0901438-12F0-4955-96E5-45471EA50751}"/>
           </ac:spMkLst>
         </pc:spChg>
+        <pc:grpChg chg="add mod">
+          <ac:chgData name="Ian Wu Ling En" userId="28715549-2f5c-46f8-b7f8-f39c35f3312d" providerId="ADAL" clId="{91585DDA-80D1-2A41-BA8C-034FE7E6CF66}" dt="2019-04-02T07:30:32.290" v="303" actId="164"/>
+          <ac:grpSpMkLst>
+            <pc:docMk/>
+            <pc:sldMk cId="2396968029" sldId="263"/>
+            <ac:grpSpMk id="13" creationId="{82438400-D117-3F43-85DC-3C779A00B3C7}"/>
+          </ac:grpSpMkLst>
+        </pc:grpChg>
+        <pc:grpChg chg="add del mod">
+          <ac:chgData name="Ian Wu Ling En" userId="28715549-2f5c-46f8-b7f8-f39c35f3312d" providerId="ADAL" clId="{91585DDA-80D1-2A41-BA8C-034FE7E6CF66}" dt="2019-04-02T07:30:46.459" v="307"/>
+          <ac:grpSpMkLst>
+            <pc:docMk/>
+            <pc:sldMk cId="2396968029" sldId="263"/>
+            <ac:grpSpMk id="14" creationId="{245AA27C-0F4E-C34D-9F86-5589ED8497AD}"/>
+          </ac:grpSpMkLst>
+        </pc:grpChg>
         <pc:cxnChg chg="add mod">
-          <ac:chgData name="Ian Wu Ling En" userId="28715549-2f5c-46f8-b7f8-f39c35f3312d" providerId="ADAL" clId="{91585DDA-80D1-2A41-BA8C-034FE7E6CF66}" dt="2019-04-02T02:33:15.969" v="259" actId="1076"/>
+          <ac:chgData name="Ian Wu Ling En" userId="28715549-2f5c-46f8-b7f8-f39c35f3312d" providerId="ADAL" clId="{91585DDA-80D1-2A41-BA8C-034FE7E6CF66}" dt="2019-04-02T07:32:07.846" v="321" actId="14100"/>
+          <ac:cxnSpMkLst>
+            <pc:docMk/>
+            <pc:sldMk cId="2396968029" sldId="263"/>
+            <ac:cxnSpMk id="4" creationId="{B8487B0D-21AB-8441-99F5-BF7B42B7BDE2}"/>
+          </ac:cxnSpMkLst>
+        </pc:cxnChg>
+        <pc:cxnChg chg="add mod">
+          <ac:chgData name="Ian Wu Ling En" userId="28715549-2f5c-46f8-b7f8-f39c35f3312d" providerId="ADAL" clId="{91585DDA-80D1-2A41-BA8C-034FE7E6CF66}" dt="2019-04-02T07:25:38.456" v="279" actId="208"/>
           <ac:cxnSpMkLst>
             <pc:docMk/>
             <pc:sldMk cId="2396968029" sldId="263"/>
             <ac:cxnSpMk id="5" creationId="{AA5D2812-B402-DC46-BE8B-79420CCA4620}"/>
           </ac:cxnSpMkLst>
         </pc:cxnChg>
+        <pc:cxnChg chg="add del mod">
+          <ac:chgData name="Ian Wu Ling En" userId="28715549-2f5c-46f8-b7f8-f39c35f3312d" providerId="ADAL" clId="{91585DDA-80D1-2A41-BA8C-034FE7E6CF66}" dt="2019-04-02T07:29:58.133" v="297" actId="478"/>
+          <ac:cxnSpMkLst>
+            <pc:docMk/>
+            <pc:sldMk cId="2396968029" sldId="263"/>
+            <ac:cxnSpMk id="7" creationId="{9C4E29DA-A51F-4947-9613-3B2B32147BC4}"/>
+          </ac:cxnSpMkLst>
+        </pc:cxnChg>
         <pc:cxnChg chg="add mod">
-          <ac:chgData name="Ian Wu Ling En" userId="28715549-2f5c-46f8-b7f8-f39c35f3312d" providerId="ADAL" clId="{91585DDA-80D1-2A41-BA8C-034FE7E6CF66}" dt="2019-04-02T02:33:15.969" v="259" actId="1076"/>
+          <ac:chgData name="Ian Wu Ling En" userId="28715549-2f5c-46f8-b7f8-f39c35f3312d" providerId="ADAL" clId="{91585DDA-80D1-2A41-BA8C-034FE7E6CF66}" dt="2019-04-02T07:25:03.074" v="272" actId="208"/>
           <ac:cxnSpMkLst>
             <pc:docMk/>
             <pc:sldMk cId="2396968029" sldId="263"/>
@@ -478,7 +598,7 @@
           </ac:cxnSpMkLst>
         </pc:cxnChg>
         <pc:cxnChg chg="add mod">
-          <ac:chgData name="Ian Wu Ling En" userId="28715549-2f5c-46f8-b7f8-f39c35f3312d" providerId="ADAL" clId="{91585DDA-80D1-2A41-BA8C-034FE7E6CF66}" dt="2019-04-02T02:33:15.969" v="259" actId="1076"/>
+          <ac:chgData name="Ian Wu Ling En" userId="28715549-2f5c-46f8-b7f8-f39c35f3312d" providerId="ADAL" clId="{91585DDA-80D1-2A41-BA8C-034FE7E6CF66}" dt="2019-04-02T07:25:03.074" v="272" actId="208"/>
           <ac:cxnSpMkLst>
             <pc:docMk/>
             <pc:sldMk cId="2396968029" sldId="263"/>
@@ -494,7 +614,15 @@
           </ac:cxnSpMkLst>
         </pc:cxnChg>
         <pc:cxnChg chg="add mod">
-          <ac:chgData name="Ian Wu Ling En" userId="28715549-2f5c-46f8-b7f8-f39c35f3312d" providerId="ADAL" clId="{91585DDA-80D1-2A41-BA8C-034FE7E6CF66}" dt="2019-04-02T02:33:15.969" v="259" actId="1076"/>
+          <ac:chgData name="Ian Wu Ling En" userId="28715549-2f5c-46f8-b7f8-f39c35f3312d" providerId="ADAL" clId="{91585DDA-80D1-2A41-BA8C-034FE7E6CF66}" dt="2019-04-02T07:32:34.129" v="332" actId="692"/>
+          <ac:cxnSpMkLst>
+            <pc:docMk/>
+            <pc:sldMk cId="2396968029" sldId="263"/>
+            <ac:cxnSpMk id="18" creationId="{9140E6B3-4469-2C44-9670-C3640E1C792C}"/>
+          </ac:cxnSpMkLst>
+        </pc:cxnChg>
+        <pc:cxnChg chg="add mod">
+          <ac:chgData name="Ian Wu Ling En" userId="28715549-2f5c-46f8-b7f8-f39c35f3312d" providerId="ADAL" clId="{91585DDA-80D1-2A41-BA8C-034FE7E6CF66}" dt="2019-04-02T07:25:03.074" v="272" actId="208"/>
           <ac:cxnSpMkLst>
             <pc:docMk/>
             <pc:sldMk cId="2396968029" sldId="263"/>
@@ -510,7 +638,7 @@
           </ac:cxnSpMkLst>
         </pc:cxnChg>
         <pc:cxnChg chg="add mod">
-          <ac:chgData name="Ian Wu Ling En" userId="28715549-2f5c-46f8-b7f8-f39c35f3312d" providerId="ADAL" clId="{91585DDA-80D1-2A41-BA8C-034FE7E6CF66}" dt="2019-04-02T02:33:06.862" v="257" actId="14100"/>
+          <ac:chgData name="Ian Wu Ling En" userId="28715549-2f5c-46f8-b7f8-f39c35f3312d" providerId="ADAL" clId="{91585DDA-80D1-2A41-BA8C-034FE7E6CF66}" dt="2019-04-02T07:25:17.970" v="274" actId="208"/>
           <ac:cxnSpMkLst>
             <pc:docMk/>
             <pc:sldMk cId="2396968029" sldId="263"/>
@@ -565,24 +693,32 @@
             <ac:cxnSpMk id="60" creationId="{00000000-0000-0000-0000-000000000000}"/>
           </ac:cxnSpMkLst>
         </pc:cxnChg>
-        <pc:cxnChg chg="add mod">
-          <ac:chgData name="Ian Wu Ling En" userId="28715549-2f5c-46f8-b7f8-f39c35f3312d" providerId="ADAL" clId="{91585DDA-80D1-2A41-BA8C-034FE7E6CF66}" dt="2019-04-02T02:33:15.969" v="259" actId="1076"/>
+        <pc:cxnChg chg="add del mod">
+          <ac:chgData name="Ian Wu Ling En" userId="28715549-2f5c-46f8-b7f8-f39c35f3312d" providerId="ADAL" clId="{91585DDA-80D1-2A41-BA8C-034FE7E6CF66}" dt="2019-04-02T07:30:27.965" v="302" actId="164"/>
+          <ac:cxnSpMkLst>
+            <pc:docMk/>
+            <pc:sldMk cId="2396968029" sldId="263"/>
+            <ac:cxnSpMk id="65" creationId="{7E650329-5D6C-0A4F-9B5A-C1A2AB11D05D}"/>
+          </ac:cxnSpMkLst>
+        </pc:cxnChg>
+        <pc:cxnChg chg="add del mod">
+          <ac:chgData name="Ian Wu Ling En" userId="28715549-2f5c-46f8-b7f8-f39c35f3312d" providerId="ADAL" clId="{91585DDA-80D1-2A41-BA8C-034FE7E6CF66}" dt="2019-04-02T07:27:48.567" v="289"/>
           <ac:cxnSpMkLst>
             <pc:docMk/>
             <pc:sldMk cId="2396968029" sldId="263"/>
             <ac:cxnSpMk id="67" creationId="{4A0BE3D0-6A12-D54B-8270-296CD8DB101C}"/>
           </ac:cxnSpMkLst>
         </pc:cxnChg>
-        <pc:cxnChg chg="add mod">
-          <ac:chgData name="Ian Wu Ling En" userId="28715549-2f5c-46f8-b7f8-f39c35f3312d" providerId="ADAL" clId="{91585DDA-80D1-2A41-BA8C-034FE7E6CF66}" dt="2019-04-02T02:33:15.969" v="259" actId="1076"/>
+        <pc:cxnChg chg="add del mod">
+          <ac:chgData name="Ian Wu Ling En" userId="28715549-2f5c-46f8-b7f8-f39c35f3312d" providerId="ADAL" clId="{91585DDA-80D1-2A41-BA8C-034FE7E6CF66}" dt="2019-04-02T07:27:48.567" v="289"/>
           <ac:cxnSpMkLst>
             <pc:docMk/>
             <pc:sldMk cId="2396968029" sldId="263"/>
             <ac:cxnSpMk id="68" creationId="{5E67B76D-CD39-AA4C-BE2F-FC20020E5C4D}"/>
           </ac:cxnSpMkLst>
         </pc:cxnChg>
-        <pc:cxnChg chg="add mod">
-          <ac:chgData name="Ian Wu Ling En" userId="28715549-2f5c-46f8-b7f8-f39c35f3312d" providerId="ADAL" clId="{91585DDA-80D1-2A41-BA8C-034FE7E6CF66}" dt="2019-04-02T02:33:15.969" v="259" actId="1076"/>
+        <pc:cxnChg chg="add del mod">
+          <ac:chgData name="Ian Wu Ling En" userId="28715549-2f5c-46f8-b7f8-f39c35f3312d" providerId="ADAL" clId="{91585DDA-80D1-2A41-BA8C-034FE7E6CF66}" dt="2019-04-02T07:27:48.567" v="289"/>
           <ac:cxnSpMkLst>
             <pc:docMk/>
             <pc:sldMk cId="2396968029" sldId="263"/>
@@ -603,6 +739,22 @@
             <pc:docMk/>
             <pc:sldMk cId="2396968029" sldId="263"/>
             <ac:cxnSpMk id="75" creationId="{00000000-0000-0000-0000-000000000000}"/>
+          </ac:cxnSpMkLst>
+        </pc:cxnChg>
+        <pc:cxnChg chg="add del mod">
+          <ac:chgData name="Ian Wu Ling En" userId="28715549-2f5c-46f8-b7f8-f39c35f3312d" providerId="ADAL" clId="{91585DDA-80D1-2A41-BA8C-034FE7E6CF66}" dt="2019-04-02T07:30:27.965" v="302" actId="164"/>
+          <ac:cxnSpMkLst>
+            <pc:docMk/>
+            <pc:sldMk cId="2396968029" sldId="263"/>
+            <ac:cxnSpMk id="76" creationId="{80127CB8-C98F-0446-B5E6-134BCF142D47}"/>
+          </ac:cxnSpMkLst>
+        </pc:cxnChg>
+        <pc:cxnChg chg="add del mod">
+          <ac:chgData name="Ian Wu Ling En" userId="28715549-2f5c-46f8-b7f8-f39c35f3312d" providerId="ADAL" clId="{91585DDA-80D1-2A41-BA8C-034FE7E6CF66}" dt="2019-04-02T07:30:27.965" v="302" actId="164"/>
+          <ac:cxnSpMkLst>
+            <pc:docMk/>
+            <pc:sldMk cId="2396968029" sldId="263"/>
+            <ac:cxnSpMk id="84" creationId="{7A21F626-7C6C-984B-83C9-3463894B4883}"/>
           </ac:cxnSpMkLst>
         </pc:cxnChg>
         <pc:cxnChg chg="mod">
@@ -658,6 +810,21 @@
             <pc:docMk/>
             <pc:sldMk cId="971541775" sldId="264"/>
             <ac:spMk id="2" creationId="{AF035D5F-357D-5349-8AAA-02D9BD06357E}"/>
+          </ac:spMkLst>
+        </pc:spChg>
+      </pc:sldChg>
+      <pc:sldChg chg="addSp delSp add del">
+        <pc:chgData name="Ian Wu Ling En" userId="28715549-2f5c-46f8-b7f8-f39c35f3312d" providerId="ADAL" clId="{91585DDA-80D1-2A41-BA8C-034FE7E6CF66}" dt="2019-04-02T07:44:35.416" v="363" actId="2696"/>
+        <pc:sldMkLst>
+          <pc:docMk/>
+          <pc:sldMk cId="1994984466" sldId="264"/>
+        </pc:sldMkLst>
+        <pc:spChg chg="add del">
+          <ac:chgData name="Ian Wu Ling En" userId="28715549-2f5c-46f8-b7f8-f39c35f3312d" providerId="ADAL" clId="{91585DDA-80D1-2A41-BA8C-034FE7E6CF66}" dt="2019-04-02T07:41:21.539" v="360"/>
+          <ac:spMkLst>
+            <pc:docMk/>
+            <pc:sldMk cId="1994984466" sldId="264"/>
+            <ac:spMk id="2" creationId="{0A1D338B-2430-654B-81F4-0FB88305D6BB}"/>
           </ac:spMkLst>
         </pc:spChg>
       </pc:sldChg>
@@ -3984,10 +4151,10 @@
       </p:grpSpPr>
       <p:sp>
         <p:nvSpPr>
-          <p:cNvPr id="83" name="Rectangle 65">
+          <p:cNvPr id="93" name="Rectangle 65">
             <a:extLst>
               <a:ext uri="{FF2B5EF4-FFF2-40B4-BE49-F238E27FC236}">
-                <a16:creationId xmlns:a16="http://schemas.microsoft.com/office/drawing/2014/main" id="{E81DEB44-C688-4443-B6C9-A2EA11A1AD6B}"/>
+                <a16:creationId xmlns:a16="http://schemas.microsoft.com/office/drawing/2014/main" id="{50EF617B-95B7-0846-AA13-C01763B16B1A}"/>
               </a:ext>
             </a:extLst>
           </p:cNvPr>
@@ -5436,11 +5603,11 @@
             <a:avLst/>
           </a:prstGeom>
           <a:solidFill>
-            <a:srgbClr val="FF6699"/>
+            <a:schemeClr val="accent6"/>
           </a:solidFill>
           <a:ln w="19050">
             <a:solidFill>
-              <a:srgbClr val="FF6699"/>
+              <a:schemeClr val="accent6"/>
             </a:solidFill>
           </a:ln>
           <a:effectLst/>
@@ -5495,7 +5662,7 @@
           </a:solidFill>
           <a:ln w="19050">
             <a:solidFill>
-              <a:srgbClr val="FF6699"/>
+              <a:schemeClr val="accent6"/>
             </a:solidFill>
             <a:headEnd type="none" w="med" len="med"/>
             <a:tailEnd type="arrow" w="med" len="med"/>
@@ -5538,7 +5705,7 @@
             <a:avLst/>
           </a:prstGeom>
           <a:solidFill>
-            <a:srgbClr val="FF6699"/>
+            <a:schemeClr val="accent6"/>
           </a:solidFill>
           <a:ln/>
         </p:spPr>
@@ -5601,7 +5768,7 @@
           </a:prstGeom>
           <a:ln w="19050">
             <a:solidFill>
-              <a:srgbClr val="FF6699"/>
+              <a:schemeClr val="accent6"/>
             </a:solidFill>
             <a:headEnd type="arrow"/>
           </a:ln>
@@ -5642,7 +5809,7 @@
             <a:avLst/>
           </a:prstGeom>
           <a:solidFill>
-            <a:srgbClr val="FF6699"/>
+            <a:schemeClr val="accent6"/>
           </a:solidFill>
           <a:ln/>
         </p:spPr>
@@ -5701,12 +5868,10 @@
           <a:prstGeom prst="flowChartDecision">
             <a:avLst/>
           </a:prstGeom>
-          <a:solidFill>
-            <a:srgbClr val="FF6699"/>
-          </a:solidFill>
+          <a:noFill/>
           <a:ln w="19050">
             <a:solidFill>
-              <a:srgbClr val="FF6699"/>
+              <a:schemeClr val="accent6"/>
             </a:solidFill>
           </a:ln>
           <a:effectLst/>
@@ -5759,7 +5924,7 @@
           </a:prstGeom>
           <a:ln w="15875">
             <a:solidFill>
-              <a:srgbClr val="FF6699"/>
+              <a:schemeClr val="accent6"/>
             </a:solidFill>
           </a:ln>
         </p:spPr>
@@ -5800,7 +5965,7 @@
           </a:prstGeom>
           <a:ln w="15875">
             <a:solidFill>
-              <a:srgbClr val="FF6699"/>
+              <a:schemeClr val="accent6"/>
             </a:solidFill>
           </a:ln>
         </p:spPr>
@@ -5841,7 +6006,7 @@
           </a:prstGeom>
           <a:ln w="15875">
             <a:solidFill>
-              <a:srgbClr val="FF6699"/>
+              <a:schemeClr val="accent6"/>
             </a:solidFill>
           </a:ln>
         </p:spPr>
@@ -5862,10 +6027,10 @@
       </p:cxnSp>
       <p:sp>
         <p:nvSpPr>
-          <p:cNvPr id="62" name="Rectangle 8">
+          <p:cNvPr id="63" name="Rectangle 8">
             <a:extLst>
               <a:ext uri="{FF2B5EF4-FFF2-40B4-BE49-F238E27FC236}">
-                <a16:creationId xmlns:a16="http://schemas.microsoft.com/office/drawing/2014/main" id="{7BC04F78-D656-4341-876A-EDB210786FBE}"/>
+                <a16:creationId xmlns:a16="http://schemas.microsoft.com/office/drawing/2014/main" id="{38AF5A16-D5F3-7849-B7BD-DDDF76765AFE}"/>
               </a:ext>
             </a:extLst>
           </p:cNvPr>
@@ -5874,14 +6039,14 @@
         </p:nvSpPr>
         <p:spPr>
           <a:xfrm>
-            <a:off x="4589713" y="1134361"/>
+            <a:off x="4596902" y="1574962"/>
             <a:ext cx="1033363" cy="334053"/>
           </a:xfrm>
           <a:prstGeom prst="rect">
             <a:avLst/>
           </a:prstGeom>
           <a:solidFill>
-            <a:srgbClr val="FF6699"/>
+            <a:schemeClr val="accent6"/>
           </a:solidFill>
           <a:ln/>
         </p:spPr>
@@ -5910,7 +6075,7 @@
                   <a:schemeClr val="tx1"/>
                 </a:solidFill>
               </a:rPr>
-              <a:t>Battleship</a:t>
+              <a:t>Coordinates</a:t>
             </a:r>
             <a:endParaRPr lang="en-SG" sz="1050" dirty="0">
               <a:solidFill>
@@ -5922,10 +6087,10 @@
       </p:sp>
       <p:sp>
         <p:nvSpPr>
-          <p:cNvPr id="63" name="Rectangle 8">
+          <p:cNvPr id="64" name="Rectangle 8">
             <a:extLst>
               <a:ext uri="{FF2B5EF4-FFF2-40B4-BE49-F238E27FC236}">
-                <a16:creationId xmlns:a16="http://schemas.microsoft.com/office/drawing/2014/main" id="{38AF5A16-D5F3-7849-B7BD-DDDF76765AFE}"/>
+                <a16:creationId xmlns:a16="http://schemas.microsoft.com/office/drawing/2014/main" id="{A71976DF-0700-9446-8B89-26C2126E272E}"/>
               </a:ext>
             </a:extLst>
           </p:cNvPr>
@@ -5934,14 +6099,14 @@
         </p:nvSpPr>
         <p:spPr>
           <a:xfrm>
-            <a:off x="4596902" y="1574962"/>
+            <a:off x="4594528" y="1151284"/>
             <a:ext cx="1033363" cy="334053"/>
           </a:xfrm>
           <a:prstGeom prst="rect">
             <a:avLst/>
           </a:prstGeom>
           <a:solidFill>
-            <a:srgbClr val="FF6699"/>
+            <a:schemeClr val="accent6"/>
           </a:solidFill>
           <a:ln/>
         </p:spPr>
@@ -5982,10 +6147,193 @@
       </p:sp>
       <p:sp>
         <p:nvSpPr>
-          <p:cNvPr id="64" name="Rectangle 8">
+          <p:cNvPr id="74" name="TextBox 73">
             <a:extLst>
               <a:ext uri="{FF2B5EF4-FFF2-40B4-BE49-F238E27FC236}">
-                <a16:creationId xmlns:a16="http://schemas.microsoft.com/office/drawing/2014/main" id="{A71976DF-0700-9446-8B89-26C2126E272E}"/>
+                <a16:creationId xmlns:a16="http://schemas.microsoft.com/office/drawing/2014/main" id="{A151540E-3A1A-4C42-BE87-200DEC31FF82}"/>
+              </a:ext>
+            </a:extLst>
+          </p:cNvPr>
+          <p:cNvSpPr txBox="1"/>
+          <p:nvPr/>
+        </p:nvSpPr>
+        <p:spPr>
+          <a:xfrm>
+            <a:off x="4370540" y="1122637"/>
+            <a:ext cx="202298" cy="178683"/>
+          </a:xfrm>
+          <a:prstGeom prst="rect">
+            <a:avLst/>
+          </a:prstGeom>
+          <a:noFill/>
+        </p:spPr>
+        <p:txBody>
+          <a:bodyPr wrap="square" lIns="0" tIns="0" rIns="0" bIns="0" rtlCol="0">
+            <a:noAutofit/>
+          </a:bodyPr>
+          <a:lstStyle/>
+          <a:p>
+            <a:pPr algn="ctr"/>
+            <a:r>
+              <a:rPr lang="en-US" sz="1100" dirty="0">
+                <a:solidFill>
+                  <a:schemeClr val="accent6"/>
+                </a:solidFill>
+              </a:rPr>
+              <a:t>1</a:t>
+            </a:r>
+            <a:endParaRPr lang="en-SG" sz="1100" dirty="0">
+              <a:solidFill>
+                <a:schemeClr val="accent6"/>
+              </a:solidFill>
+            </a:endParaRPr>
+          </a:p>
+        </p:txBody>
+      </p:sp>
+      <p:sp>
+        <p:nvSpPr>
+          <p:cNvPr id="77" name="TextBox 76">
+            <a:extLst>
+              <a:ext uri="{FF2B5EF4-FFF2-40B4-BE49-F238E27FC236}">
+                <a16:creationId xmlns:a16="http://schemas.microsoft.com/office/drawing/2014/main" id="{91103631-64C9-FB46-A371-869EA93B11A2}"/>
+              </a:ext>
+            </a:extLst>
+          </p:cNvPr>
+          <p:cNvSpPr txBox="1"/>
+          <p:nvPr/>
+        </p:nvSpPr>
+        <p:spPr>
+          <a:xfrm>
+            <a:off x="4370540" y="1552551"/>
+            <a:ext cx="202298" cy="178683"/>
+          </a:xfrm>
+          <a:prstGeom prst="rect">
+            <a:avLst/>
+          </a:prstGeom>
+          <a:noFill/>
+        </p:spPr>
+        <p:txBody>
+          <a:bodyPr wrap="square" lIns="0" tIns="0" rIns="0" bIns="0" rtlCol="0">
+            <a:noAutofit/>
+          </a:bodyPr>
+          <a:lstStyle/>
+          <a:p>
+            <a:pPr algn="ctr"/>
+            <a:r>
+              <a:rPr lang="en-US" sz="1100" dirty="0">
+                <a:solidFill>
+                  <a:schemeClr val="accent6"/>
+                </a:solidFill>
+              </a:rPr>
+              <a:t>1</a:t>
+            </a:r>
+            <a:endParaRPr lang="en-SG" sz="1100" dirty="0">
+              <a:solidFill>
+                <a:schemeClr val="accent6"/>
+              </a:solidFill>
+            </a:endParaRPr>
+          </a:p>
+        </p:txBody>
+      </p:sp>
+      <p:sp>
+        <p:nvSpPr>
+          <p:cNvPr id="78" name="TextBox 77">
+            <a:extLst>
+              <a:ext uri="{FF2B5EF4-FFF2-40B4-BE49-F238E27FC236}">
+                <a16:creationId xmlns:a16="http://schemas.microsoft.com/office/drawing/2014/main" id="{55E4F891-29B5-6941-9967-F8E6F17627D5}"/>
+              </a:ext>
+            </a:extLst>
+          </p:cNvPr>
+          <p:cNvSpPr txBox="1"/>
+          <p:nvPr/>
+        </p:nvSpPr>
+        <p:spPr>
+          <a:xfrm>
+            <a:off x="4370540" y="2005545"/>
+            <a:ext cx="202298" cy="178683"/>
+          </a:xfrm>
+          <a:prstGeom prst="rect">
+            <a:avLst/>
+          </a:prstGeom>
+          <a:noFill/>
+        </p:spPr>
+        <p:txBody>
+          <a:bodyPr wrap="square" lIns="0" tIns="0" rIns="0" bIns="0" rtlCol="0">
+            <a:noAutofit/>
+          </a:bodyPr>
+          <a:lstStyle/>
+          <a:p>
+            <a:pPr algn="ctr"/>
+            <a:r>
+              <a:rPr lang="en-US" sz="1100" dirty="0">
+                <a:solidFill>
+                  <a:schemeClr val="accent6"/>
+                </a:solidFill>
+              </a:rPr>
+              <a:t>1</a:t>
+            </a:r>
+            <a:endParaRPr lang="en-SG" sz="1100" dirty="0">
+              <a:solidFill>
+                <a:schemeClr val="accent6"/>
+              </a:solidFill>
+            </a:endParaRPr>
+          </a:p>
+        </p:txBody>
+      </p:sp>
+      <p:sp>
+        <p:nvSpPr>
+          <p:cNvPr id="80" name="TextBox 79">
+            <a:extLst>
+              <a:ext uri="{FF2B5EF4-FFF2-40B4-BE49-F238E27FC236}">
+                <a16:creationId xmlns:a16="http://schemas.microsoft.com/office/drawing/2014/main" id="{15C8C3C6-9381-AB4A-BAEF-16B7203691EA}"/>
+              </a:ext>
+            </a:extLst>
+          </p:cNvPr>
+          <p:cNvSpPr txBox="1"/>
+          <p:nvPr/>
+        </p:nvSpPr>
+        <p:spPr>
+          <a:xfrm>
+            <a:off x="3016801" y="1932773"/>
+            <a:ext cx="173381" cy="199669"/>
+          </a:xfrm>
+          <a:prstGeom prst="rect">
+            <a:avLst/>
+          </a:prstGeom>
+          <a:noFill/>
+          <a:ln>
+            <a:noFill/>
+          </a:ln>
+        </p:spPr>
+        <p:txBody>
+          <a:bodyPr wrap="square" lIns="0" tIns="0" rIns="0" bIns="0" rtlCol="0">
+            <a:noAutofit/>
+          </a:bodyPr>
+          <a:lstStyle/>
+          <a:p>
+            <a:pPr algn="ctr"/>
+            <a:r>
+              <a:rPr lang="en-US" sz="1100" dirty="0">
+                <a:solidFill>
+                  <a:schemeClr val="accent6"/>
+                </a:solidFill>
+              </a:rPr>
+              <a:t>*</a:t>
+            </a:r>
+            <a:endParaRPr lang="en-SG" sz="1100" dirty="0">
+              <a:solidFill>
+                <a:schemeClr val="accent6"/>
+              </a:solidFill>
+            </a:endParaRPr>
+          </a:p>
+        </p:txBody>
+      </p:sp>
+      <p:sp>
+        <p:nvSpPr>
+          <p:cNvPr id="81" name="Flowchart: Decision 96">
+            <a:extLst>
+              <a:ext uri="{FF2B5EF4-FFF2-40B4-BE49-F238E27FC236}">
+                <a16:creationId xmlns:a16="http://schemas.microsoft.com/office/drawing/2014/main" id="{9DEDA065-12E2-014D-8997-EC2AA7200805}"/>
               </a:ext>
             </a:extLst>
           </p:cNvPr>
@@ -5993,15 +6341,116 @@
           <p:nvPr/>
         </p:nvSpPr>
         <p:spPr>
+          <a:xfrm rot="16200000">
+            <a:off x="2820543" y="2247090"/>
+            <a:ext cx="236048" cy="173380"/>
+          </a:xfrm>
+          <a:prstGeom prst="flowChartDecision">
+            <a:avLst/>
+          </a:prstGeom>
+          <a:solidFill>
+            <a:schemeClr val="accent6"/>
+          </a:solidFill>
+          <a:ln w="19050">
+            <a:solidFill>
+              <a:schemeClr val="accent6"/>
+            </a:solidFill>
+          </a:ln>
+          <a:effectLst/>
+        </p:spPr>
+        <p:style>
+          <a:lnRef idx="1">
+            <a:schemeClr val="accent6"/>
+          </a:lnRef>
+          <a:fillRef idx="2">
+            <a:schemeClr val="accent6"/>
+          </a:fillRef>
+          <a:effectRef idx="1">
+            <a:schemeClr val="accent6"/>
+          </a:effectRef>
+          <a:fontRef idx="minor">
+            <a:schemeClr val="dk1"/>
+          </a:fontRef>
+        </p:style>
+        <p:txBody>
+          <a:bodyPr rtlCol="0" anchor="ctr"/>
+          <a:lstStyle/>
+          <a:p>
+            <a:pPr algn="ctr"/>
+            <a:endParaRPr lang="en-US" sz="1050"/>
+          </a:p>
+        </p:txBody>
+      </p:sp>
+      <p:sp>
+        <p:nvSpPr>
+          <p:cNvPr id="82" name="TextBox 81">
+            <a:extLst>
+              <a:ext uri="{FF2B5EF4-FFF2-40B4-BE49-F238E27FC236}">
+                <a16:creationId xmlns:a16="http://schemas.microsoft.com/office/drawing/2014/main" id="{5A3BE89E-82E1-BD46-B1E6-DA13BB95C04C}"/>
+              </a:ext>
+            </a:extLst>
+          </p:cNvPr>
+          <p:cNvSpPr txBox="1"/>
+          <p:nvPr/>
+        </p:nvSpPr>
+        <p:spPr>
           <a:xfrm>
-            <a:off x="4606616" y="2015563"/>
+            <a:off x="2974706" y="2794702"/>
+            <a:ext cx="202298" cy="178683"/>
+          </a:xfrm>
+          <a:prstGeom prst="rect">
+            <a:avLst/>
+          </a:prstGeom>
+          <a:noFill/>
+          <a:ln>
+            <a:noFill/>
+          </a:ln>
+        </p:spPr>
+        <p:txBody>
+          <a:bodyPr wrap="square" lIns="0" tIns="0" rIns="0" bIns="0" rtlCol="0">
+            <a:noAutofit/>
+          </a:bodyPr>
+          <a:lstStyle/>
+          <a:p>
+            <a:pPr algn="ctr"/>
+            <a:r>
+              <a:rPr lang="en-US" sz="1100" dirty="0">
+                <a:solidFill>
+                  <a:schemeClr val="accent6"/>
+                </a:solidFill>
+              </a:rPr>
+              <a:t>1</a:t>
+            </a:r>
+            <a:endParaRPr lang="en-SG" sz="1100" dirty="0">
+              <a:solidFill>
+                <a:schemeClr val="accent6"/>
+              </a:solidFill>
+            </a:endParaRPr>
+          </a:p>
+        </p:txBody>
+      </p:sp>
+      <p:sp>
+        <p:nvSpPr>
+          <p:cNvPr id="56" name="Rectangle 8">
+            <a:extLst>
+              <a:ext uri="{FF2B5EF4-FFF2-40B4-BE49-F238E27FC236}">
+                <a16:creationId xmlns:a16="http://schemas.microsoft.com/office/drawing/2014/main" id="{9D8B4EC3-5317-F747-B54D-F59418B11F45}"/>
+              </a:ext>
+            </a:extLst>
+          </p:cNvPr>
+          <p:cNvSpPr/>
+          <p:nvPr/>
+        </p:nvSpPr>
+        <p:spPr>
+          <a:xfrm>
+            <a:off x="4596902" y="2005545"/>
             <a:ext cx="1033363" cy="334053"/>
           </a:xfrm>
           <a:prstGeom prst="rect">
             <a:avLst/>
           </a:prstGeom>
           <a:solidFill>
-            <a:srgbClr val="FF6699"/>
+            <a:schemeClr val="accent6"/>
           </a:solidFill>
           <a:ln/>
         </p:spPr>
@@ -6030,7 +6479,7 @@
                   <a:schemeClr val="tx1"/>
                 </a:solidFill>
               </a:rPr>
-              <a:t>Coordinates</a:t>
+              <a:t>Battleship</a:t>
             </a:r>
             <a:endParaRPr lang="en-SG" sz="1050" dirty="0">
               <a:solidFill>
@@ -6042,30 +6491,35 @@
       </p:sp>
       <p:cxnSp>
         <p:nvCxnSpPr>
-          <p:cNvPr id="67" name="Elbow Connector 66">
+          <p:cNvPr id="4" name="Elbow Connector 3">
             <a:extLst>
               <a:ext uri="{FF2B5EF4-FFF2-40B4-BE49-F238E27FC236}">
-                <a16:creationId xmlns:a16="http://schemas.microsoft.com/office/drawing/2014/main" id="{4A0BE3D0-6A12-D54B-8270-296CD8DB101C}"/>
+                <a16:creationId xmlns:a16="http://schemas.microsoft.com/office/drawing/2014/main" id="{B8487B0D-21AB-8441-99F5-BF7B42B7BDE2}"/>
               </a:ext>
             </a:extLst>
           </p:cNvPr>
           <p:cNvCxnSpPr>
             <a:cxnSpLocks/>
+            <a:stCxn id="56" idx="3"/>
+            <a:endCxn id="91" idx="3"/>
           </p:cNvCxnSpPr>
           <p:nvPr/>
         </p:nvCxnSpPr>
         <p:spPr>
           <a:xfrm>
-            <a:off x="5815475" y="1301320"/>
-            <a:ext cx="869005" cy="429914"/>
+            <a:off x="5630265" y="2172572"/>
+            <a:ext cx="1257351" cy="2224718"/>
           </a:xfrm>
           <a:prstGeom prst="bentConnector3">
-            <a:avLst/>
+            <a:avLst>
+              <a:gd name="adj1" fmla="val 118181"/>
+            </a:avLst>
           </a:prstGeom>
           <a:ln w="15875">
             <a:solidFill>
-              <a:srgbClr val="FF6699"/>
+              <a:schemeClr val="accent6"/>
             </a:solidFill>
+            <a:headEnd type="arrow"/>
           </a:ln>
         </p:spPr>
         <p:style>
@@ -6085,28 +6539,35 @@
       </p:cxnSp>
       <p:cxnSp>
         <p:nvCxnSpPr>
-          <p:cNvPr id="68" name="Straight Connector 67">
+          <p:cNvPr id="18" name="Elbow Connector 17">
             <a:extLst>
               <a:ext uri="{FF2B5EF4-FFF2-40B4-BE49-F238E27FC236}">
-                <a16:creationId xmlns:a16="http://schemas.microsoft.com/office/drawing/2014/main" id="{5E67B76D-CD39-AA4C-BE2F-FC20020E5C4D}"/>
+                <a16:creationId xmlns:a16="http://schemas.microsoft.com/office/drawing/2014/main" id="{9140E6B3-4469-2C44-9670-C3640E1C792C}"/>
               </a:ext>
             </a:extLst>
           </p:cNvPr>
-          <p:cNvCxnSpPr/>
+          <p:cNvCxnSpPr>
+            <a:cxnSpLocks/>
+            <a:stCxn id="63" idx="3"/>
+            <a:endCxn id="91" idx="3"/>
+          </p:cNvCxnSpPr>
           <p:nvPr/>
         </p:nvCxnSpPr>
         <p:spPr>
           <a:xfrm>
-            <a:off x="6249977" y="1301320"/>
-            <a:ext cx="434503" cy="0"/>
-          </a:xfrm>
-          <a:prstGeom prst="line">
-            <a:avLst/>
+            <a:off x="5630265" y="1741989"/>
+            <a:ext cx="1257351" cy="2655301"/>
+          </a:xfrm>
+          <a:prstGeom prst="bentConnector3">
+            <a:avLst>
+              <a:gd name="adj1" fmla="val 118181"/>
+            </a:avLst>
           </a:prstGeom>
           <a:ln w="15875">
             <a:solidFill>
-              <a:srgbClr val="FF6699"/>
+              <a:schemeClr val="accent6"/>
             </a:solidFill>
+            <a:headEnd type="arrow"/>
           </a:ln>
         </p:spPr>
         <p:style>
@@ -6124,53 +6585,57 @@
           </a:fontRef>
         </p:style>
       </p:cxnSp>
-      <p:cxnSp>
-        <p:nvCxnSpPr>
-          <p:cNvPr id="69" name="Elbow Connector 68">
+      <p:sp>
+        <p:nvSpPr>
+          <p:cNvPr id="90" name="TextBox 89">
             <a:extLst>
               <a:ext uri="{FF2B5EF4-FFF2-40B4-BE49-F238E27FC236}">
-                <a16:creationId xmlns:a16="http://schemas.microsoft.com/office/drawing/2014/main" id="{C188E399-C009-1845-9BA6-19EAA0FBD731}"/>
+                <a16:creationId xmlns:a16="http://schemas.microsoft.com/office/drawing/2014/main" id="{343A39A1-D1E9-B946-AE78-909327575D04}"/>
               </a:ext>
             </a:extLst>
           </p:cNvPr>
-          <p:cNvCxnSpPr/>
+          <p:cNvSpPr txBox="1"/>
           <p:nvPr/>
-        </p:nvCxnSpPr>
-        <p:spPr>
-          <a:xfrm flipV="1">
-            <a:off x="5815475" y="866086"/>
-            <a:ext cx="869005" cy="435234"/>
-          </a:xfrm>
-          <a:prstGeom prst="bentConnector3">
+        </p:nvSpPr>
+        <p:spPr>
+          <a:xfrm>
+            <a:off x="5695913" y="1987853"/>
+            <a:ext cx="352496" cy="178683"/>
+          </a:xfrm>
+          <a:prstGeom prst="rect">
             <a:avLst/>
           </a:prstGeom>
-          <a:ln w="15875">
-            <a:solidFill>
-              <a:srgbClr val="FF6699"/>
-            </a:solidFill>
-          </a:ln>
-        </p:spPr>
-        <p:style>
-          <a:lnRef idx="1">
-            <a:schemeClr val="accent1"/>
-          </a:lnRef>
-          <a:fillRef idx="0">
-            <a:schemeClr val="accent1"/>
-          </a:fillRef>
-          <a:effectRef idx="0">
-            <a:schemeClr val="accent1"/>
-          </a:effectRef>
-          <a:fontRef idx="minor">
-            <a:schemeClr val="tx1"/>
-          </a:fontRef>
-        </p:style>
-      </p:cxnSp>
-      <p:sp>
-        <p:nvSpPr>
-          <p:cNvPr id="70" name="Rectangle 8">
+          <a:noFill/>
+        </p:spPr>
+        <p:txBody>
+          <a:bodyPr wrap="square" lIns="0" tIns="0" rIns="0" bIns="0" rtlCol="0">
+            <a:noAutofit/>
+          </a:bodyPr>
+          <a:lstStyle/>
+          <a:p>
+            <a:pPr algn="ctr"/>
+            <a:r>
+              <a:rPr lang="en-US" sz="1100" dirty="0">
+                <a:solidFill>
+                  <a:schemeClr val="accent6"/>
+                </a:solidFill>
+              </a:rPr>
+              <a:t>0..1</a:t>
+            </a:r>
+            <a:endParaRPr lang="en-SG" sz="1100" dirty="0">
+              <a:solidFill>
+                <a:schemeClr val="accent6"/>
+              </a:solidFill>
+            </a:endParaRPr>
+          </a:p>
+        </p:txBody>
+      </p:sp>
+      <p:sp>
+        <p:nvSpPr>
+          <p:cNvPr id="91" name="Flowchart: Decision 96">
             <a:extLst>
               <a:ext uri="{FF2B5EF4-FFF2-40B4-BE49-F238E27FC236}">
-                <a16:creationId xmlns:a16="http://schemas.microsoft.com/office/drawing/2014/main" id="{6EB03C59-1EF3-844D-8836-22F0BD59EF16}"/>
+                <a16:creationId xmlns:a16="http://schemas.microsoft.com/office/drawing/2014/main" id="{BD8D71DF-6191-284E-A25E-1EEB1000EC91}"/>
               </a:ext>
             </a:extLst>
           </p:cNvPr>
@@ -6179,369 +6644,16 @@
         </p:nvSpPr>
         <p:spPr>
           <a:xfrm>
-            <a:off x="6677291" y="693760"/>
-            <a:ext cx="1033363" cy="334053"/>
-          </a:xfrm>
-          <a:prstGeom prst="rect">
-            <a:avLst/>
-          </a:prstGeom>
-          <a:solidFill>
-            <a:srgbClr val="FF6699"/>
-          </a:solidFill>
-          <a:ln/>
-        </p:spPr>
-        <p:style>
-          <a:lnRef idx="1">
-            <a:schemeClr val="accent2"/>
-          </a:lnRef>
-          <a:fillRef idx="2">
-            <a:schemeClr val="accent2"/>
-          </a:fillRef>
-          <a:effectRef idx="1">
-            <a:schemeClr val="accent2"/>
-          </a:effectRef>
-          <a:fontRef idx="minor">
-            <a:schemeClr val="dk1"/>
-          </a:fontRef>
-        </p:style>
-        <p:txBody>
-          <a:bodyPr rtlCol="0" anchor="ctr"/>
-          <a:lstStyle/>
-          <a:p>
-            <a:pPr algn="ctr"/>
-            <a:r>
-              <a:rPr lang="en-US" sz="1050" dirty="0" err="1">
-                <a:solidFill>
-                  <a:schemeClr val="tx1"/>
-                </a:solidFill>
-              </a:rPr>
-              <a:t>AircraftCarrier</a:t>
-            </a:r>
-            <a:endParaRPr lang="en-US" sz="1050" dirty="0">
-              <a:solidFill>
-                <a:schemeClr val="tx1"/>
-              </a:solidFill>
-            </a:endParaRPr>
-          </a:p>
-          <a:p>
-            <a:pPr algn="ctr"/>
-            <a:r>
-              <a:rPr lang="en-US" sz="1050" dirty="0">
-                <a:solidFill>
-                  <a:schemeClr val="tx1"/>
-                </a:solidFill>
-              </a:rPr>
-              <a:t>Battleship</a:t>
-            </a:r>
-            <a:endParaRPr lang="en-SG" sz="1050" dirty="0">
-              <a:solidFill>
-                <a:schemeClr val="tx1"/>
-              </a:solidFill>
-            </a:endParaRPr>
-          </a:p>
-        </p:txBody>
-      </p:sp>
-      <p:sp>
-        <p:nvSpPr>
-          <p:cNvPr id="71" name="Rectangle 8">
-            <a:extLst>
-              <a:ext uri="{FF2B5EF4-FFF2-40B4-BE49-F238E27FC236}">
-                <a16:creationId xmlns:a16="http://schemas.microsoft.com/office/drawing/2014/main" id="{33FD9CE3-CCF8-014C-87CF-7464DAB22B67}"/>
-              </a:ext>
-            </a:extLst>
-          </p:cNvPr>
-          <p:cNvSpPr/>
-          <p:nvPr/>
-        </p:nvSpPr>
-        <p:spPr>
-          <a:xfrm>
-            <a:off x="6684480" y="1134361"/>
-            <a:ext cx="1033363" cy="334053"/>
-          </a:xfrm>
-          <a:prstGeom prst="rect">
-            <a:avLst/>
-          </a:prstGeom>
-          <a:solidFill>
-            <a:srgbClr val="FF6699"/>
-          </a:solidFill>
-          <a:ln/>
-        </p:spPr>
-        <p:style>
-          <a:lnRef idx="1">
-            <a:schemeClr val="accent2"/>
-          </a:lnRef>
-          <a:fillRef idx="2">
-            <a:schemeClr val="accent2"/>
-          </a:fillRef>
-          <a:effectRef idx="1">
-            <a:schemeClr val="accent2"/>
-          </a:effectRef>
-          <a:fontRef idx="minor">
-            <a:schemeClr val="dk1"/>
-          </a:fontRef>
-        </p:style>
-        <p:txBody>
-          <a:bodyPr rtlCol="0" anchor="ctr"/>
-          <a:lstStyle/>
-          <a:p>
-            <a:pPr algn="ctr"/>
-            <a:r>
-              <a:rPr lang="en-US" sz="1050" dirty="0">
-                <a:solidFill>
-                  <a:schemeClr val="tx1"/>
-                </a:solidFill>
-              </a:rPr>
-              <a:t>Destroyer</a:t>
-            </a:r>
-          </a:p>
-          <a:p>
-            <a:pPr algn="ctr"/>
-            <a:r>
-              <a:rPr lang="en-US" sz="1050" dirty="0">
-                <a:solidFill>
-                  <a:schemeClr val="tx1"/>
-                </a:solidFill>
-              </a:rPr>
-              <a:t>Battleship</a:t>
-            </a:r>
-            <a:endParaRPr lang="en-SG" sz="1050" dirty="0">
-              <a:solidFill>
-                <a:schemeClr val="tx1"/>
-              </a:solidFill>
-            </a:endParaRPr>
-          </a:p>
-        </p:txBody>
-      </p:sp>
-      <p:sp>
-        <p:nvSpPr>
-          <p:cNvPr id="72" name="Rectangle 8">
-            <a:extLst>
-              <a:ext uri="{FF2B5EF4-FFF2-40B4-BE49-F238E27FC236}">
-                <a16:creationId xmlns:a16="http://schemas.microsoft.com/office/drawing/2014/main" id="{809FE0F2-07C8-424B-857C-5A53085C8B9B}"/>
-              </a:ext>
-            </a:extLst>
-          </p:cNvPr>
-          <p:cNvSpPr/>
-          <p:nvPr/>
-        </p:nvSpPr>
-        <p:spPr>
-          <a:xfrm>
-            <a:off x="6694194" y="1574962"/>
-            <a:ext cx="1033363" cy="334053"/>
-          </a:xfrm>
-          <a:prstGeom prst="rect">
-            <a:avLst/>
-          </a:prstGeom>
-          <a:solidFill>
-            <a:srgbClr val="FF6699"/>
-          </a:solidFill>
-          <a:ln/>
-        </p:spPr>
-        <p:style>
-          <a:lnRef idx="1">
-            <a:schemeClr val="accent2"/>
-          </a:lnRef>
-          <a:fillRef idx="2">
-            <a:schemeClr val="accent2"/>
-          </a:fillRef>
-          <a:effectRef idx="1">
-            <a:schemeClr val="accent2"/>
-          </a:effectRef>
-          <a:fontRef idx="minor">
-            <a:schemeClr val="dk1"/>
-          </a:fontRef>
-        </p:style>
-        <p:txBody>
-          <a:bodyPr rtlCol="0" anchor="ctr"/>
-          <a:lstStyle/>
-          <a:p>
-            <a:pPr algn="ctr"/>
-            <a:r>
-              <a:rPr lang="en-US" sz="1050" dirty="0">
-                <a:solidFill>
-                  <a:schemeClr val="tx1"/>
-                </a:solidFill>
-              </a:rPr>
-              <a:t>Cruiser</a:t>
-            </a:r>
-          </a:p>
-          <a:p>
-            <a:pPr algn="ctr"/>
-            <a:r>
-              <a:rPr lang="en-US" sz="1050" dirty="0">
-                <a:solidFill>
-                  <a:schemeClr val="tx1"/>
-                </a:solidFill>
-              </a:rPr>
-              <a:t>Battleship</a:t>
-            </a:r>
-            <a:endParaRPr lang="en-SG" sz="1050" dirty="0">
-              <a:solidFill>
-                <a:schemeClr val="tx1"/>
-              </a:solidFill>
-            </a:endParaRPr>
-          </a:p>
-        </p:txBody>
-      </p:sp>
-      <p:sp>
-        <p:nvSpPr>
-          <p:cNvPr id="74" name="TextBox 73">
-            <a:extLst>
-              <a:ext uri="{FF2B5EF4-FFF2-40B4-BE49-F238E27FC236}">
-                <a16:creationId xmlns:a16="http://schemas.microsoft.com/office/drawing/2014/main" id="{A151540E-3A1A-4C42-BE87-200DEC31FF82}"/>
-              </a:ext>
-            </a:extLst>
-          </p:cNvPr>
-          <p:cNvSpPr txBox="1"/>
-          <p:nvPr/>
-        </p:nvSpPr>
-        <p:spPr>
-          <a:xfrm>
-            <a:off x="4370540" y="1122637"/>
-            <a:ext cx="202298" cy="178683"/>
-          </a:xfrm>
-          <a:prstGeom prst="rect">
-            <a:avLst/>
-          </a:prstGeom>
-          <a:noFill/>
-        </p:spPr>
-        <p:txBody>
-          <a:bodyPr wrap="square" lIns="0" tIns="0" rIns="0" bIns="0" rtlCol="0">
-            <a:noAutofit/>
-          </a:bodyPr>
-          <a:lstStyle/>
-          <a:p>
-            <a:pPr algn="ctr"/>
-            <a:r>
-              <a:rPr lang="en-US" sz="1100" dirty="0">
-                <a:solidFill>
-                  <a:srgbClr val="FF6699"/>
-                </a:solidFill>
-              </a:rPr>
-              <a:t>1</a:t>
-            </a:r>
-            <a:endParaRPr lang="en-SG" sz="1100" dirty="0">
-              <a:solidFill>
-                <a:srgbClr val="FF6699"/>
-              </a:solidFill>
-            </a:endParaRPr>
-          </a:p>
-        </p:txBody>
-      </p:sp>
-      <p:sp>
-        <p:nvSpPr>
-          <p:cNvPr id="77" name="TextBox 76">
-            <a:extLst>
-              <a:ext uri="{FF2B5EF4-FFF2-40B4-BE49-F238E27FC236}">
-                <a16:creationId xmlns:a16="http://schemas.microsoft.com/office/drawing/2014/main" id="{91103631-64C9-FB46-A371-869EA93B11A2}"/>
-              </a:ext>
-            </a:extLst>
-          </p:cNvPr>
-          <p:cNvSpPr txBox="1"/>
-          <p:nvPr/>
-        </p:nvSpPr>
-        <p:spPr>
-          <a:xfrm>
-            <a:off x="4377729" y="1552551"/>
-            <a:ext cx="202298" cy="178683"/>
-          </a:xfrm>
-          <a:prstGeom prst="rect">
-            <a:avLst/>
-          </a:prstGeom>
-          <a:noFill/>
-        </p:spPr>
-        <p:txBody>
-          <a:bodyPr wrap="square" lIns="0" tIns="0" rIns="0" bIns="0" rtlCol="0">
-            <a:noAutofit/>
-          </a:bodyPr>
-          <a:lstStyle/>
-          <a:p>
-            <a:pPr algn="ctr"/>
-            <a:r>
-              <a:rPr lang="en-US" sz="1100" dirty="0">
-                <a:solidFill>
-                  <a:srgbClr val="FF6699"/>
-                </a:solidFill>
-              </a:rPr>
-              <a:t>1</a:t>
-            </a:r>
-            <a:endParaRPr lang="en-SG" sz="1100" dirty="0">
-              <a:solidFill>
-                <a:srgbClr val="FF6699"/>
-              </a:solidFill>
-            </a:endParaRPr>
-          </a:p>
-        </p:txBody>
-      </p:sp>
-      <p:sp>
-        <p:nvSpPr>
-          <p:cNvPr id="78" name="TextBox 77">
-            <a:extLst>
-              <a:ext uri="{FF2B5EF4-FFF2-40B4-BE49-F238E27FC236}">
-                <a16:creationId xmlns:a16="http://schemas.microsoft.com/office/drawing/2014/main" id="{55E4F891-29B5-6941-9967-F8E6F17627D5}"/>
-              </a:ext>
-            </a:extLst>
-          </p:cNvPr>
-          <p:cNvSpPr txBox="1"/>
-          <p:nvPr/>
-        </p:nvSpPr>
-        <p:spPr>
-          <a:xfrm>
-            <a:off x="4389590" y="2005545"/>
-            <a:ext cx="202298" cy="178683"/>
-          </a:xfrm>
-          <a:prstGeom prst="rect">
-            <a:avLst/>
-          </a:prstGeom>
-          <a:noFill/>
-        </p:spPr>
-        <p:txBody>
-          <a:bodyPr wrap="square" lIns="0" tIns="0" rIns="0" bIns="0" rtlCol="0">
-            <a:noAutofit/>
-          </a:bodyPr>
-          <a:lstStyle/>
-          <a:p>
-            <a:pPr algn="ctr"/>
-            <a:r>
-              <a:rPr lang="en-US" sz="1100" dirty="0">
-                <a:solidFill>
-                  <a:srgbClr val="FF6699"/>
-                </a:solidFill>
-              </a:rPr>
-              <a:t>1</a:t>
-            </a:r>
-            <a:endParaRPr lang="en-SG" sz="1100" dirty="0">
-              <a:solidFill>
-                <a:srgbClr val="FF6699"/>
-              </a:solidFill>
-            </a:endParaRPr>
-          </a:p>
-        </p:txBody>
-      </p:sp>
-      <p:sp>
-        <p:nvSpPr>
-          <p:cNvPr id="79" name="Isosceles Triangle 102">
-            <a:extLst>
-              <a:ext uri="{FF2B5EF4-FFF2-40B4-BE49-F238E27FC236}">
-                <a16:creationId xmlns:a16="http://schemas.microsoft.com/office/drawing/2014/main" id="{BFC4F456-F972-7843-94DA-5EB901FD74E7}"/>
-              </a:ext>
-            </a:extLst>
-          </p:cNvPr>
-          <p:cNvSpPr/>
-          <p:nvPr/>
-        </p:nvSpPr>
-        <p:spPr>
-          <a:xfrm rot="16200000">
-            <a:off x="5592461" y="1213558"/>
-            <a:ext cx="270504" cy="175523"/>
-          </a:xfrm>
-          <a:prstGeom prst="triangle">
+            <a:off x="6651568" y="4310600"/>
+            <a:ext cx="236048" cy="173380"/>
+          </a:xfrm>
+          <a:prstGeom prst="flowChartDecision">
             <a:avLst/>
           </a:prstGeom>
           <a:noFill/>
           <a:ln w="19050">
             <a:solidFill>
-              <a:srgbClr val="FF6699"/>
+              <a:schemeClr val="accent6"/>
             </a:solidFill>
           </a:ln>
           <a:effectLst/>
@@ -6565,16 +6677,16 @@
           <a:lstStyle/>
           <a:p>
             <a:pPr algn="ctr"/>
-            <a:endParaRPr lang="en-SG" sz="1050"/>
-          </a:p>
-        </p:txBody>
-      </p:sp>
-      <p:sp>
-        <p:nvSpPr>
-          <p:cNvPr id="80" name="TextBox 79">
+            <a:endParaRPr lang="en-US" sz="1050"/>
+          </a:p>
+        </p:txBody>
+      </p:sp>
+      <p:sp>
+        <p:nvSpPr>
+          <p:cNvPr id="92" name="TextBox 91">
             <a:extLst>
               <a:ext uri="{FF2B5EF4-FFF2-40B4-BE49-F238E27FC236}">
-                <a16:creationId xmlns:a16="http://schemas.microsoft.com/office/drawing/2014/main" id="{15C8C3C6-9381-AB4A-BAEF-16B7203691EA}"/>
+                <a16:creationId xmlns:a16="http://schemas.microsoft.com/office/drawing/2014/main" id="{4B3C2B86-E0C4-F241-8E2E-791AC6C9973F}"/>
               </a:ext>
             </a:extLst>
           </p:cNvPr>
@@ -6583,8 +6695,8 @@
         </p:nvSpPr>
         <p:spPr>
           <a:xfrm>
-            <a:off x="2922636" y="1943110"/>
-            <a:ext cx="373954" cy="178683"/>
+            <a:off x="5670051" y="1489441"/>
+            <a:ext cx="202298" cy="178683"/>
           </a:xfrm>
           <a:prstGeom prst="rect">
             <a:avLst/>
@@ -6601,112 +6713,14 @@
             <a:r>
               <a:rPr lang="en-US" sz="1100" dirty="0">
                 <a:solidFill>
-                  <a:srgbClr val="FF6699"/>
-                </a:solidFill>
-              </a:rPr>
-              <a:t>*</a:t>
-            </a:r>
-            <a:endParaRPr lang="en-SG" sz="1100" dirty="0">
-              <a:solidFill>
-                <a:srgbClr val="FF6699"/>
-              </a:solidFill>
-            </a:endParaRPr>
-          </a:p>
-        </p:txBody>
-      </p:sp>
-      <p:sp>
-        <p:nvSpPr>
-          <p:cNvPr id="81" name="Flowchart: Decision 96">
-            <a:extLst>
-              <a:ext uri="{FF2B5EF4-FFF2-40B4-BE49-F238E27FC236}">
-                <a16:creationId xmlns:a16="http://schemas.microsoft.com/office/drawing/2014/main" id="{9DEDA065-12E2-014D-8997-EC2AA7200805}"/>
-              </a:ext>
-            </a:extLst>
-          </p:cNvPr>
-          <p:cNvSpPr/>
-          <p:nvPr/>
-        </p:nvSpPr>
-        <p:spPr>
-          <a:xfrm rot="16200000">
-            <a:off x="2820543" y="2247090"/>
-            <a:ext cx="236048" cy="173380"/>
-          </a:xfrm>
-          <a:prstGeom prst="flowChartDecision">
-            <a:avLst/>
-          </a:prstGeom>
-          <a:solidFill>
-            <a:srgbClr val="FF6699"/>
-          </a:solidFill>
-          <a:ln w="19050">
-            <a:solidFill>
-              <a:srgbClr val="FF6699"/>
-            </a:solidFill>
-          </a:ln>
-          <a:effectLst/>
-        </p:spPr>
-        <p:style>
-          <a:lnRef idx="1">
-            <a:schemeClr val="accent6"/>
-          </a:lnRef>
-          <a:fillRef idx="2">
-            <a:schemeClr val="accent6"/>
-          </a:fillRef>
-          <a:effectRef idx="1">
-            <a:schemeClr val="accent6"/>
-          </a:effectRef>
-          <a:fontRef idx="minor">
-            <a:schemeClr val="dk1"/>
-          </a:fontRef>
-        </p:style>
-        <p:txBody>
-          <a:bodyPr rtlCol="0" anchor="ctr"/>
-          <a:lstStyle/>
-          <a:p>
-            <a:pPr algn="ctr"/>
-            <a:endParaRPr lang="en-US" sz="1050"/>
-          </a:p>
-        </p:txBody>
-      </p:sp>
-      <p:sp>
-        <p:nvSpPr>
-          <p:cNvPr id="82" name="TextBox 81">
-            <a:extLst>
-              <a:ext uri="{FF2B5EF4-FFF2-40B4-BE49-F238E27FC236}">
-                <a16:creationId xmlns:a16="http://schemas.microsoft.com/office/drawing/2014/main" id="{5A3BE89E-82E1-BD46-B1E6-DA13BB95C04C}"/>
-              </a:ext>
-            </a:extLst>
-          </p:cNvPr>
-          <p:cNvSpPr txBox="1"/>
-          <p:nvPr/>
-        </p:nvSpPr>
-        <p:spPr>
-          <a:xfrm>
-            <a:off x="2974706" y="2794702"/>
-            <a:ext cx="202298" cy="178683"/>
-          </a:xfrm>
-          <a:prstGeom prst="rect">
-            <a:avLst/>
-          </a:prstGeom>
-          <a:noFill/>
-        </p:spPr>
-        <p:txBody>
-          <a:bodyPr wrap="square" lIns="0" tIns="0" rIns="0" bIns="0" rtlCol="0">
-            <a:noAutofit/>
-          </a:bodyPr>
-          <a:lstStyle/>
-          <a:p>
-            <a:pPr algn="ctr"/>
-            <a:r>
-              <a:rPr lang="en-US" sz="1100" dirty="0">
-                <a:solidFill>
-                  <a:srgbClr val="FF6699"/>
+                  <a:schemeClr val="accent6"/>
                 </a:solidFill>
               </a:rPr>
               <a:t>1</a:t>
             </a:r>
             <a:endParaRPr lang="en-SG" sz="1100" dirty="0">
               <a:solidFill>
-                <a:srgbClr val="FF6699"/>
+                <a:schemeClr val="accent6"/>
               </a:solidFill>
             </a:endParaRPr>
           </a:p>

--- a/docs/diagrams/BattleshipModelDiagram.pptx
+++ b/docs/diagrams/BattleshipModelDiagram.pptx
@@ -126,12 +126,33 @@
 </p:presentation>
 </file>
 
-<file path=ppt/revisionInfo.xml><?xml version="1.0" encoding="utf-8"?>
-<p1510:revInfo xmlns:a="http://schemas.openxmlformats.org/drawingml/2006/main" xmlns:r="http://schemas.openxmlformats.org/officeDocument/2006/relationships" xmlns:p1510="http://schemas.microsoft.com/office/powerpoint/2015/10/main">
-  <p1510:revLst>
-    <p1510:client id="{91585DDA-80D1-2A41-BA8C-034FE7E6CF66}" v="70" dt="2019-04-02T07:41:25.407"/>
-  </p1510:revLst>
-</p1510:revInfo>
+<file path=ppt/changesInfos/changesInfo1.xml><?xml version="1.0" encoding="utf-8"?>
+<pc:chgInfo xmlns:a="http://schemas.openxmlformats.org/drawingml/2006/main" xmlns:r="http://schemas.openxmlformats.org/officeDocument/2006/relationships" xmlns:ac="http://schemas.microsoft.com/office/drawing/2013/main/command" xmlns:pc="http://schemas.microsoft.com/office/powerpoint/2013/main/command">
+  <pc:docChgLst>
+    <pc:chgData name="Ian Wu Ling En" userId="28715549-2f5c-46f8-b7f8-f39c35f3312d" providerId="ADAL" clId="{1981E527-88DB-4B42-B600-179989FE8E1C}"/>
+    <pc:docChg chg="undo modSld">
+      <pc:chgData name="Ian Wu Ling En" userId="28715549-2f5c-46f8-b7f8-f39c35f3312d" providerId="ADAL" clId="{1981E527-88DB-4B42-B600-179989FE8E1C}" dt="2019-04-13T04:44:18.784" v="4" actId="1076"/>
+      <pc:docMkLst>
+        <pc:docMk/>
+      </pc:docMkLst>
+      <pc:sldChg chg="modSp">
+        <pc:chgData name="Ian Wu Ling En" userId="28715549-2f5c-46f8-b7f8-f39c35f3312d" providerId="ADAL" clId="{1981E527-88DB-4B42-B600-179989FE8E1C}" dt="2019-04-13T04:44:18.784" v="4" actId="1076"/>
+        <pc:sldMkLst>
+          <pc:docMk/>
+          <pc:sldMk cId="2396968029" sldId="263"/>
+        </pc:sldMkLst>
+        <pc:spChg chg="mod">
+          <ac:chgData name="Ian Wu Ling En" userId="28715549-2f5c-46f8-b7f8-f39c35f3312d" providerId="ADAL" clId="{1981E527-88DB-4B42-B600-179989FE8E1C}" dt="2019-04-13T04:44:18.784" v="4" actId="1076"/>
+          <ac:spMkLst>
+            <pc:docMk/>
+            <pc:sldMk cId="2396968029" sldId="263"/>
+            <ac:spMk id="93" creationId="{50EF617B-95B7-0846-AA13-C01763B16B1A}"/>
+          </ac:spMkLst>
+        </pc:spChg>
+      </pc:sldChg>
+    </pc:docChg>
+  </pc:docChgLst>
+</pc:chgInfo>
 </file>
 
 <file path=ppt/notesMasters/notesMaster1.xml><?xml version="1.0" encoding="utf-8"?>
@@ -216,7 +237,7 @@
           <a:p>
             <a:fld id="{F5CC4B3F-88C1-4FFA-B1B6-F41C21DC6924}" type="datetimeFigureOut">
               <a:rPr lang="en-US" smtClean="0"/>
-              <a:t>4/4/2019</a:t>
+              <a:t>4/13/19</a:t>
             </a:fld>
             <a:endParaRPr lang="en-US"/>
           </a:p>
@@ -662,7 +683,7 @@
           <a:p>
             <a:fld id="{78C97017-6FC3-485B-9764-EAC9E56C1D49}" type="datetimeFigureOut">
               <a:rPr lang="en-US" smtClean="0"/>
-              <a:t>4/4/2019</a:t>
+              <a:t>4/13/19</a:t>
             </a:fld>
             <a:endParaRPr lang="en-US"/>
           </a:p>
@@ -830,7 +851,7 @@
           <a:p>
             <a:fld id="{78C97017-6FC3-485B-9764-EAC9E56C1D49}" type="datetimeFigureOut">
               <a:rPr lang="en-US" smtClean="0"/>
-              <a:t>4/4/2019</a:t>
+              <a:t>4/13/19</a:t>
             </a:fld>
             <a:endParaRPr lang="en-US"/>
           </a:p>
@@ -1008,7 +1029,7 @@
           <a:p>
             <a:fld id="{78C97017-6FC3-485B-9764-EAC9E56C1D49}" type="datetimeFigureOut">
               <a:rPr lang="en-US" smtClean="0"/>
-              <a:t>4/4/2019</a:t>
+              <a:t>4/13/19</a:t>
             </a:fld>
             <a:endParaRPr lang="en-US"/>
           </a:p>
@@ -1176,7 +1197,7 @@
           <a:p>
             <a:fld id="{78C97017-6FC3-485B-9764-EAC9E56C1D49}" type="datetimeFigureOut">
               <a:rPr lang="en-US" smtClean="0"/>
-              <a:t>4/4/2019</a:t>
+              <a:t>4/13/19</a:t>
             </a:fld>
             <a:endParaRPr lang="en-US"/>
           </a:p>
@@ -1421,7 +1442,7 @@
           <a:p>
             <a:fld id="{78C97017-6FC3-485B-9764-EAC9E56C1D49}" type="datetimeFigureOut">
               <a:rPr lang="en-US" smtClean="0"/>
-              <a:t>4/4/2019</a:t>
+              <a:t>4/13/19</a:t>
             </a:fld>
             <a:endParaRPr lang="en-US"/>
           </a:p>
@@ -1706,7 +1727,7 @@
           <a:p>
             <a:fld id="{78C97017-6FC3-485B-9764-EAC9E56C1D49}" type="datetimeFigureOut">
               <a:rPr lang="en-US" smtClean="0"/>
-              <a:t>4/4/2019</a:t>
+              <a:t>4/13/19</a:t>
             </a:fld>
             <a:endParaRPr lang="en-US"/>
           </a:p>
@@ -2125,7 +2146,7 @@
           <a:p>
             <a:fld id="{78C97017-6FC3-485B-9764-EAC9E56C1D49}" type="datetimeFigureOut">
               <a:rPr lang="en-US" smtClean="0"/>
-              <a:t>4/4/2019</a:t>
+              <a:t>4/13/19</a:t>
             </a:fld>
             <a:endParaRPr lang="en-US"/>
           </a:p>
@@ -2242,7 +2263,7 @@
           <a:p>
             <a:fld id="{78C97017-6FC3-485B-9764-EAC9E56C1D49}" type="datetimeFigureOut">
               <a:rPr lang="en-US" smtClean="0"/>
-              <a:t>4/4/2019</a:t>
+              <a:t>4/13/19</a:t>
             </a:fld>
             <a:endParaRPr lang="en-US"/>
           </a:p>
@@ -2337,7 +2358,7 @@
           <a:p>
             <a:fld id="{78C97017-6FC3-485B-9764-EAC9E56C1D49}" type="datetimeFigureOut">
               <a:rPr lang="en-US" smtClean="0"/>
-              <a:t>4/4/2019</a:t>
+              <a:t>4/13/19</a:t>
             </a:fld>
             <a:endParaRPr lang="en-US"/>
           </a:p>
@@ -2612,7 +2633,7 @@
           <a:p>
             <a:fld id="{78C97017-6FC3-485B-9764-EAC9E56C1D49}" type="datetimeFigureOut">
               <a:rPr lang="en-US" smtClean="0"/>
-              <a:t>4/4/2019</a:t>
+              <a:t>4/13/19</a:t>
             </a:fld>
             <a:endParaRPr lang="en-US"/>
           </a:p>
@@ -2864,7 +2885,7 @@
           <a:p>
             <a:fld id="{78C97017-6FC3-485B-9764-EAC9E56C1D49}" type="datetimeFigureOut">
               <a:rPr lang="en-US" smtClean="0"/>
-              <a:t>4/4/2019</a:t>
+              <a:t>4/13/19</a:t>
             </a:fld>
             <a:endParaRPr lang="en-US"/>
           </a:p>
@@ -3075,7 +3096,7 @@
           <a:p>
             <a:fld id="{78C97017-6FC3-485B-9764-EAC9E56C1D49}" type="datetimeFigureOut">
               <a:rPr lang="en-US" smtClean="0"/>
-              <a:t>4/4/2019</a:t>
+              <a:t>4/13/19</a:t>
             </a:fld>
             <a:endParaRPr lang="en-US"/>
           </a:p>
@@ -3464,8 +3485,8 @@
         </p:nvSpPr>
         <p:spPr>
           <a:xfrm>
-            <a:off x="733438" y="334659"/>
-            <a:ext cx="7496162" cy="6142341"/>
+            <a:off x="533400" y="990600"/>
+            <a:ext cx="7496162" cy="5257800"/>
           </a:xfrm>
           <a:prstGeom prst="roundRect">
             <a:avLst>
